--- a/slides/Docker Kubernetes Novembro-2024.pptx
+++ b/slides/Docker Kubernetes Novembro-2024.pptx
@@ -23,13 +23,13 @@
     <p:sldId id="1518" r:id="rId14"/>
     <p:sldId id="1782" r:id="rId15"/>
     <p:sldId id="1767" r:id="rId16"/>
-    <p:sldId id="1708" r:id="rId17"/>
-    <p:sldId id="1706" r:id="rId18"/>
-    <p:sldId id="1777" r:id="rId19"/>
-    <p:sldId id="1778" r:id="rId20"/>
-    <p:sldId id="1755" r:id="rId21"/>
-    <p:sldId id="1781" r:id="rId22"/>
-    <p:sldId id="1779" r:id="rId23"/>
+    <p:sldId id="1779" r:id="rId17"/>
+    <p:sldId id="1708" r:id="rId18"/>
+    <p:sldId id="1706" r:id="rId19"/>
+    <p:sldId id="1777" r:id="rId20"/>
+    <p:sldId id="1778" r:id="rId21"/>
+    <p:sldId id="1755" r:id="rId22"/>
+    <p:sldId id="1781" r:id="rId23"/>
     <p:sldId id="1783" r:id="rId24"/>
     <p:sldId id="1750" r:id="rId25"/>
   </p:sldIdLst>
@@ -144,13 +144,13 @@
             <p14:sldId id="1518"/>
             <p14:sldId id="1782"/>
             <p14:sldId id="1767"/>
+            <p14:sldId id="1779"/>
             <p14:sldId id="1708"/>
             <p14:sldId id="1706"/>
             <p14:sldId id="1777"/>
             <p14:sldId id="1778"/>
             <p14:sldId id="1755"/>
             <p14:sldId id="1781"/>
-            <p14:sldId id="1779"/>
             <p14:sldId id="1783"/>
           </p14:sldIdLst>
         </p14:section>
@@ -291,7 +291,7 @@
               <a:rPr lang="en-US" smtClean="0">
                 <a:latin typeface="Segoe UI" pitchFamily="34" charset="0"/>
               </a:rPr>
-              <a:t>11/28/2024 11:37 AM</a:t>
+              <a:t>11/28/2024 2:43 PM</a:t>
             </a:fld>
             <a:endParaRPr lang="en-US" dirty="0">
               <a:latin typeface="Segoe UI" pitchFamily="34" charset="0"/>
@@ -572,7 +572,7 @@
           <a:p>
             <a:fld id="{38EEC551-8CDA-4EB6-89BB-2A86C9F091C8}" type="datetime8">
               <a:rPr lang="en-US" smtClean="0"/>
-              <a:t>11/28/2024 11:37 AM</a:t>
+              <a:t>11/28/2024 2:42 PM</a:t>
             </a:fld>
             <a:endParaRPr lang="en-US" dirty="0"/>
           </a:p>
@@ -959,7 +959,7 @@
           <a:p>
             <a:fld id="{38EEC551-8CDA-4EB6-89BB-2A86C9F091C8}" type="datetime8">
               <a:rPr lang="en-US" smtClean="0"/>
-              <a:t>11/28/2024 2:12 PM</a:t>
+              <a:t>11/28/2024 2:42 PM</a:t>
             </a:fld>
             <a:endParaRPr lang="en-US" dirty="0"/>
           </a:p>
@@ -1007,7 +1007,13 @@
   <p:cSld>
     <p:spTree>
       <p:nvGrpSpPr>
-        <p:cNvPr id="1" name=""/>
+        <p:cNvPr id="1" name="">
+          <a:extLst>
+            <a:ext uri="{FF2B5EF4-FFF2-40B4-BE49-F238E27FC236}">
+              <a16:creationId xmlns:a16="http://schemas.microsoft.com/office/drawing/2014/main" id="{5E3A5A05-8C16-021C-1A5C-53EB27C91CFF}"/>
+            </a:ext>
+          </a:extLst>
+        </p:cNvPr>
         <p:cNvGrpSpPr/>
         <p:nvPr/>
       </p:nvGrpSpPr>
@@ -1021,7 +1027,13 @@
       </p:grpSpPr>
       <p:sp>
         <p:nvSpPr>
-          <p:cNvPr id="2" name="Espaço Reservado para Imagem de Slide 1"/>
+          <p:cNvPr id="2" name="Espaço Reservado para Imagem de Slide 1">
+            <a:extLst>
+              <a:ext uri="{FF2B5EF4-FFF2-40B4-BE49-F238E27FC236}">
+                <a16:creationId xmlns:a16="http://schemas.microsoft.com/office/drawing/2014/main" id="{E2FB7C0A-528E-4721-544D-DD67F4D4BCAD}"/>
+              </a:ext>
+            </a:extLst>
+          </p:cNvPr>
           <p:cNvSpPr>
             <a:spLocks noGrp="1" noRot="1" noChangeAspect="1"/>
           </p:cNvSpPr>
@@ -1033,7 +1045,13 @@
       </p:sp>
       <p:sp>
         <p:nvSpPr>
-          <p:cNvPr id="3" name="Espaço Reservado para Anotações 2"/>
+          <p:cNvPr id="3" name="Espaço Reservado para Anotações 2">
+            <a:extLst>
+              <a:ext uri="{FF2B5EF4-FFF2-40B4-BE49-F238E27FC236}">
+                <a16:creationId xmlns:a16="http://schemas.microsoft.com/office/drawing/2014/main" id="{E96595E2-D69A-31D3-45D7-FDEFAF981EC1}"/>
+              </a:ext>
+            </a:extLst>
+          </p:cNvPr>
           <p:cNvSpPr>
             <a:spLocks noGrp="1"/>
           </p:cNvSpPr>
@@ -1052,7 +1070,13 @@
       </p:sp>
       <p:sp>
         <p:nvSpPr>
-          <p:cNvPr id="4" name="Espaço Reservado para Cabeçalho 3"/>
+          <p:cNvPr id="4" name="Espaço Reservado para Cabeçalho 3">
+            <a:extLst>
+              <a:ext uri="{FF2B5EF4-FFF2-40B4-BE49-F238E27FC236}">
+                <a16:creationId xmlns:a16="http://schemas.microsoft.com/office/drawing/2014/main" id="{1BABDAB4-B5C1-92E1-5B28-FB0D6057C560}"/>
+              </a:ext>
+            </a:extLst>
+          </p:cNvPr>
           <p:cNvSpPr>
             <a:spLocks noGrp="1"/>
           </p:cNvSpPr>
@@ -1075,7 +1099,13 @@
       </p:sp>
       <p:sp>
         <p:nvSpPr>
-          <p:cNvPr id="5" name="Espaço Reservado para Rodapé 4"/>
+          <p:cNvPr id="5" name="Espaço Reservado para Rodapé 4">
+            <a:extLst>
+              <a:ext uri="{FF2B5EF4-FFF2-40B4-BE49-F238E27FC236}">
+                <a16:creationId xmlns:a16="http://schemas.microsoft.com/office/drawing/2014/main" id="{CB2DCB78-FB51-5C10-A4B7-0B7DBED63DE4}"/>
+              </a:ext>
+            </a:extLst>
+          </p:cNvPr>
           <p:cNvSpPr>
             <a:spLocks noGrp="1"/>
           </p:cNvSpPr>
@@ -1129,7 +1159,13 @@
       </p:sp>
       <p:sp>
         <p:nvSpPr>
-          <p:cNvPr id="6" name="Espaço Reservado para Data 5"/>
+          <p:cNvPr id="6" name="Espaço Reservado para Data 5">
+            <a:extLst>
+              <a:ext uri="{FF2B5EF4-FFF2-40B4-BE49-F238E27FC236}">
+                <a16:creationId xmlns:a16="http://schemas.microsoft.com/office/drawing/2014/main" id="{5070FF31-D8DF-FB72-42EF-7B3DFEE2F0D5}"/>
+              </a:ext>
+            </a:extLst>
+          </p:cNvPr>
           <p:cNvSpPr>
             <a:spLocks noGrp="1"/>
           </p:cNvSpPr>
@@ -1144,7 +1180,7 @@
           <a:p>
             <a:fld id="{38EEC551-8CDA-4EB6-89BB-2A86C9F091C8}" type="datetime8">
               <a:rPr lang="en-US" smtClean="0"/>
-              <a:t>11/28/2024 11:37 AM</a:t>
+              <a:t>11/28/2024 2:42 PM</a:t>
             </a:fld>
             <a:endParaRPr lang="en-US" dirty="0"/>
           </a:p>
@@ -1152,7 +1188,13 @@
       </p:sp>
       <p:sp>
         <p:nvSpPr>
-          <p:cNvPr id="7" name="Espaço Reservado para Número de Slide 6"/>
+          <p:cNvPr id="7" name="Espaço Reservado para Número de Slide 6">
+            <a:extLst>
+              <a:ext uri="{FF2B5EF4-FFF2-40B4-BE49-F238E27FC236}">
+                <a16:creationId xmlns:a16="http://schemas.microsoft.com/office/drawing/2014/main" id="{88CFF03B-C44C-3D74-A17A-0C3B98E56FDA}"/>
+              </a:ext>
+            </a:extLst>
+          </p:cNvPr>
           <p:cNvSpPr>
             <a:spLocks noGrp="1"/>
           </p:cNvSpPr>
@@ -1177,7 +1219,7 @@
     </p:spTree>
     <p:extLst>
       <p:ext uri="{BB962C8B-B14F-4D97-AF65-F5344CB8AC3E}">
-        <p14:creationId xmlns:p14="http://schemas.microsoft.com/office/powerpoint/2010/main" val="2031934037"/>
+        <p14:creationId xmlns:p14="http://schemas.microsoft.com/office/powerpoint/2010/main" val="1734348815"/>
       </p:ext>
     </p:extLst>
   </p:cSld>
@@ -1329,7 +1371,7 @@
           <a:p>
             <a:fld id="{38EEC551-8CDA-4EB6-89BB-2A86C9F091C8}" type="datetime8">
               <a:rPr lang="en-US" smtClean="0"/>
-              <a:t>11/28/2024 11:39 AM</a:t>
+              <a:t>11/28/2024 2:42 PM</a:t>
             </a:fld>
             <a:endParaRPr lang="en-US" dirty="0"/>
           </a:p>
@@ -1362,6 +1404,191 @@
     </p:spTree>
     <p:extLst>
       <p:ext uri="{BB962C8B-B14F-4D97-AF65-F5344CB8AC3E}">
+        <p14:creationId xmlns:p14="http://schemas.microsoft.com/office/powerpoint/2010/main" val="2031934037"/>
+      </p:ext>
+    </p:extLst>
+  </p:cSld>
+  <p:clrMapOvr>
+    <a:masterClrMapping/>
+  </p:clrMapOvr>
+</p:notes>
+</file>
+
+<file path=ppt/notesSlides/notesSlide12.xml><?xml version="1.0" encoding="utf-8"?>
+<p:notes xmlns:a="http://schemas.openxmlformats.org/drawingml/2006/main" xmlns:r="http://schemas.openxmlformats.org/officeDocument/2006/relationships" xmlns:p="http://schemas.openxmlformats.org/presentationml/2006/main">
+  <p:cSld>
+    <p:spTree>
+      <p:nvGrpSpPr>
+        <p:cNvPr id="1" name=""/>
+        <p:cNvGrpSpPr/>
+        <p:nvPr/>
+      </p:nvGrpSpPr>
+      <p:grpSpPr>
+        <a:xfrm>
+          <a:off x="0" y="0"/>
+          <a:ext cx="0" cy="0"/>
+          <a:chOff x="0" y="0"/>
+          <a:chExt cx="0" cy="0"/>
+        </a:xfrm>
+      </p:grpSpPr>
+      <p:sp>
+        <p:nvSpPr>
+          <p:cNvPr id="2" name="Espaço Reservado para Imagem de Slide 1"/>
+          <p:cNvSpPr>
+            <a:spLocks noGrp="1" noRot="1" noChangeAspect="1"/>
+          </p:cNvSpPr>
+          <p:nvPr>
+            <p:ph type="sldImg"/>
+          </p:nvPr>
+        </p:nvSpPr>
+        <p:spPr/>
+      </p:sp>
+      <p:sp>
+        <p:nvSpPr>
+          <p:cNvPr id="3" name="Espaço Reservado para Anotações 2"/>
+          <p:cNvSpPr>
+            <a:spLocks noGrp="1"/>
+          </p:cNvSpPr>
+          <p:nvPr>
+            <p:ph type="body" idx="1"/>
+          </p:nvPr>
+        </p:nvSpPr>
+        <p:spPr/>
+        <p:txBody>
+          <a:bodyPr/>
+          <a:lstStyle/>
+          <a:p>
+            <a:endParaRPr lang="pt-BR" dirty="0"/>
+          </a:p>
+        </p:txBody>
+      </p:sp>
+      <p:sp>
+        <p:nvSpPr>
+          <p:cNvPr id="4" name="Espaço Reservado para Cabeçalho 3"/>
+          <p:cNvSpPr>
+            <a:spLocks noGrp="1"/>
+          </p:cNvSpPr>
+          <p:nvPr>
+            <p:ph type="hdr" sz="quarter" idx="10"/>
+          </p:nvPr>
+        </p:nvSpPr>
+        <p:spPr/>
+        <p:txBody>
+          <a:bodyPr/>
+          <a:lstStyle/>
+          <a:p>
+            <a:r>
+              <a:rPr lang="en-US"/>
+              <a:t>Microsoft Ignite 2016</a:t>
+            </a:r>
+            <a:endParaRPr lang="en-US" dirty="0"/>
+          </a:p>
+        </p:txBody>
+      </p:sp>
+      <p:sp>
+        <p:nvSpPr>
+          <p:cNvPr id="5" name="Espaço Reservado para Rodapé 4"/>
+          <p:cNvSpPr>
+            <a:spLocks noGrp="1"/>
+          </p:cNvSpPr>
+          <p:nvPr>
+            <p:ph type="ftr" sz="quarter" idx="11"/>
+          </p:nvPr>
+        </p:nvSpPr>
+        <p:spPr/>
+        <p:txBody>
+          <a:bodyPr/>
+          <a:lstStyle/>
+          <a:p>
+            <a:pPr defTabSz="914099" eaLnBrk="0" hangingPunct="0"/>
+            <a:r>
+              <a:rPr lang="en-US" sz="400">
+                <a:gradFill>
+                  <a:gsLst>
+                    <a:gs pos="0">
+                      <a:prstClr val="black"/>
+                    </a:gs>
+                    <a:gs pos="100000">
+                      <a:prstClr val="black"/>
+                    </a:gs>
+                  </a:gsLst>
+                  <a:lin ang="5400000" scaled="0"/>
+                </a:gradFill>
+                <a:latin typeface="Segoe UI" pitchFamily="34" charset="0"/>
+                <a:ea typeface="Segoe UI" pitchFamily="34" charset="0"/>
+                <a:cs typeface="Segoe UI" pitchFamily="34" charset="0"/>
+              </a:rPr>
+              <a:t>© 2016 Microsoft Corporation. All rights reserved. MICROSOFT MAKES NO WARRANTIES, EXPRESS, IMPLIED OR STATUTORY, AS TO THE INFORMATION IN THIS PRESENTATION.</a:t>
+            </a:r>
+            <a:endParaRPr lang="en-US" sz="400" dirty="0">
+              <a:gradFill>
+                <a:gsLst>
+                  <a:gs pos="0">
+                    <a:prstClr val="black"/>
+                  </a:gs>
+                  <a:gs pos="100000">
+                    <a:prstClr val="black"/>
+                  </a:gs>
+                </a:gsLst>
+                <a:lin ang="5400000" scaled="0"/>
+              </a:gradFill>
+              <a:latin typeface="Segoe UI" pitchFamily="34" charset="0"/>
+              <a:ea typeface="Segoe UI" pitchFamily="34" charset="0"/>
+              <a:cs typeface="Segoe UI" pitchFamily="34" charset="0"/>
+            </a:endParaRPr>
+          </a:p>
+        </p:txBody>
+      </p:sp>
+      <p:sp>
+        <p:nvSpPr>
+          <p:cNvPr id="6" name="Espaço Reservado para Data 5"/>
+          <p:cNvSpPr>
+            <a:spLocks noGrp="1"/>
+          </p:cNvSpPr>
+          <p:nvPr>
+            <p:ph type="dt" idx="12"/>
+          </p:nvPr>
+        </p:nvSpPr>
+        <p:spPr/>
+        <p:txBody>
+          <a:bodyPr/>
+          <a:lstStyle/>
+          <a:p>
+            <a:fld id="{38EEC551-8CDA-4EB6-89BB-2A86C9F091C8}" type="datetime8">
+              <a:rPr lang="en-US" smtClean="0"/>
+              <a:t>11/28/2024 2:42 PM</a:t>
+            </a:fld>
+            <a:endParaRPr lang="en-US" dirty="0"/>
+          </a:p>
+        </p:txBody>
+      </p:sp>
+      <p:sp>
+        <p:nvSpPr>
+          <p:cNvPr id="7" name="Espaço Reservado para Número de Slide 6"/>
+          <p:cNvSpPr>
+            <a:spLocks noGrp="1"/>
+          </p:cNvSpPr>
+          <p:nvPr>
+            <p:ph type="sldNum" sz="quarter" idx="13"/>
+          </p:nvPr>
+        </p:nvSpPr>
+        <p:spPr/>
+        <p:txBody>
+          <a:bodyPr/>
+          <a:lstStyle/>
+          <a:p>
+            <a:fld id="{B4008EB6-D09E-4580-8CD6-DDB14511944F}" type="slidenum">
+              <a:rPr lang="en-US" smtClean="0"/>
+              <a:pPr/>
+              <a:t>12</a:t>
+            </a:fld>
+            <a:endParaRPr lang="en-US" dirty="0"/>
+          </a:p>
+        </p:txBody>
+      </p:sp>
+    </p:spTree>
+    <p:extLst>
+      <p:ext uri="{BB962C8B-B14F-4D97-AF65-F5344CB8AC3E}">
         <p14:creationId xmlns:p14="http://schemas.microsoft.com/office/powerpoint/2010/main" val="966838897"/>
       </p:ext>
     </p:extLst>
@@ -1372,7 +1599,7 @@
 </p:notes>
 </file>
 
-<file path=ppt/notesSlides/notesSlide12.xml><?xml version="1.0" encoding="utf-8"?>
+<file path=ppt/notesSlides/notesSlide13.xml><?xml version="1.0" encoding="utf-8"?>
 <p:notes xmlns:a="http://schemas.openxmlformats.org/drawingml/2006/main" xmlns:r="http://schemas.openxmlformats.org/officeDocument/2006/relationships" xmlns:p="http://schemas.openxmlformats.org/presentationml/2006/main">
   <p:cSld>
     <p:spTree>
@@ -1550,7 +1777,7 @@
           <a:p>
             <a:fld id="{38EEC551-8CDA-4EB6-89BB-2A86C9F091C8}" type="datetime8">
               <a:rPr lang="en-US" smtClean="0"/>
-              <a:t>11/28/2024 11:56 AM</a:t>
+              <a:t>11/28/2024 2:42 PM</a:t>
             </a:fld>
             <a:endParaRPr lang="en-US" dirty="0"/>
           </a:p>
@@ -1580,7 +1807,7 @@
             <a:fld id="{B4008EB6-D09E-4580-8CD6-DDB14511944F}" type="slidenum">
               <a:rPr lang="en-US" smtClean="0"/>
               <a:pPr/>
-              <a:t>12</a:t>
+              <a:t>13</a:t>
             </a:fld>
             <a:endParaRPr lang="en-US" dirty="0"/>
           </a:p>
@@ -1599,7 +1826,7 @@
 </p:notes>
 </file>
 
-<file path=ppt/notesSlides/notesSlide13.xml><?xml version="1.0" encoding="utf-8"?>
+<file path=ppt/notesSlides/notesSlide14.xml><?xml version="1.0" encoding="utf-8"?>
 <p:notes xmlns:a="http://schemas.openxmlformats.org/drawingml/2006/main" xmlns:r="http://schemas.openxmlformats.org/officeDocument/2006/relationships" xmlns:p="http://schemas.openxmlformats.org/presentationml/2006/main">
   <p:cSld>
     <p:spTree>
@@ -1777,7 +2004,7 @@
           <a:p>
             <a:fld id="{38EEC551-8CDA-4EB6-89BB-2A86C9F091C8}" type="datetime8">
               <a:rPr lang="en-US" smtClean="0"/>
-              <a:t>11/28/2024 11:59 AM</a:t>
+              <a:t>11/28/2024 2:42 PM</a:t>
             </a:fld>
             <a:endParaRPr lang="en-US" dirty="0"/>
           </a:p>
@@ -1807,7 +2034,7 @@
             <a:fld id="{B4008EB6-D09E-4580-8CD6-DDB14511944F}" type="slidenum">
               <a:rPr lang="en-US" smtClean="0"/>
               <a:pPr/>
-              <a:t>13</a:t>
+              <a:t>14</a:t>
             </a:fld>
             <a:endParaRPr lang="en-US" dirty="0"/>
           </a:p>
@@ -1826,7 +2053,7 @@
 </p:notes>
 </file>
 
-<file path=ppt/notesSlides/notesSlide14.xml><?xml version="1.0" encoding="utf-8"?>
+<file path=ppt/notesSlides/notesSlide15.xml><?xml version="1.0" encoding="utf-8"?>
 <p:notes xmlns:a="http://schemas.openxmlformats.org/drawingml/2006/main" xmlns:r="http://schemas.openxmlformats.org/officeDocument/2006/relationships" xmlns:p="http://schemas.openxmlformats.org/presentationml/2006/main">
   <p:cSld>
     <p:spTree>
@@ -1968,7 +2195,7 @@
           <a:p>
             <a:fld id="{38EEC551-8CDA-4EB6-89BB-2A86C9F091C8}" type="datetime8">
               <a:rPr lang="en-US" smtClean="0"/>
-              <a:t>11/28/2024 11:58 AM</a:t>
+              <a:t>11/28/2024 2:42 PM</a:t>
             </a:fld>
             <a:endParaRPr lang="en-US" dirty="0"/>
           </a:p>
@@ -1992,7 +2219,7 @@
             <a:fld id="{B4008EB6-D09E-4580-8CD6-DDB14511944F}" type="slidenum">
               <a:rPr lang="en-US" smtClean="0"/>
               <a:pPr/>
-              <a:t>14</a:t>
+              <a:t>15</a:t>
             </a:fld>
             <a:endParaRPr lang="en-US" dirty="0"/>
           </a:p>
@@ -2011,7 +2238,7 @@
 </p:notes>
 </file>
 
-<file path=ppt/notesSlides/notesSlide15.xml><?xml version="1.0" encoding="utf-8"?>
+<file path=ppt/notesSlides/notesSlide16.xml><?xml version="1.0" encoding="utf-8"?>
 <p:notes xmlns:a="http://schemas.openxmlformats.org/drawingml/2006/main" xmlns:r="http://schemas.openxmlformats.org/officeDocument/2006/relationships" xmlns:p="http://schemas.openxmlformats.org/presentationml/2006/main">
   <p:cSld>
     <p:spTree>
@@ -2189,7 +2416,7 @@
           <a:p>
             <a:fld id="{38EEC551-8CDA-4EB6-89BB-2A86C9F091C8}" type="datetime8">
               <a:rPr lang="en-US" smtClean="0"/>
-              <a:t>11/28/2024 2:04 PM</a:t>
+              <a:t>11/28/2024 2:42 PM</a:t>
             </a:fld>
             <a:endParaRPr lang="en-US" dirty="0"/>
           </a:p>
@@ -2219,7 +2446,7 @@
             <a:fld id="{B4008EB6-D09E-4580-8CD6-DDB14511944F}" type="slidenum">
               <a:rPr lang="en-US" smtClean="0"/>
               <a:pPr/>
-              <a:t>15</a:t>
+              <a:t>16</a:t>
             </a:fld>
             <a:endParaRPr lang="en-US" dirty="0"/>
           </a:p>
@@ -2229,233 +2456,6 @@
     <p:extLst>
       <p:ext uri="{BB962C8B-B14F-4D97-AF65-F5344CB8AC3E}">
         <p14:creationId xmlns:p14="http://schemas.microsoft.com/office/powerpoint/2010/main" val="390738166"/>
-      </p:ext>
-    </p:extLst>
-  </p:cSld>
-  <p:clrMapOvr>
-    <a:masterClrMapping/>
-  </p:clrMapOvr>
-</p:notes>
-</file>
-
-<file path=ppt/notesSlides/notesSlide16.xml><?xml version="1.0" encoding="utf-8"?>
-<p:notes xmlns:a="http://schemas.openxmlformats.org/drawingml/2006/main" xmlns:r="http://schemas.openxmlformats.org/officeDocument/2006/relationships" xmlns:p="http://schemas.openxmlformats.org/presentationml/2006/main">
-  <p:cSld>
-    <p:spTree>
-      <p:nvGrpSpPr>
-        <p:cNvPr id="1" name="">
-          <a:extLst>
-            <a:ext uri="{FF2B5EF4-FFF2-40B4-BE49-F238E27FC236}">
-              <a16:creationId xmlns:a16="http://schemas.microsoft.com/office/drawing/2014/main" id="{5E3A5A05-8C16-021C-1A5C-53EB27C91CFF}"/>
-            </a:ext>
-          </a:extLst>
-        </p:cNvPr>
-        <p:cNvGrpSpPr/>
-        <p:nvPr/>
-      </p:nvGrpSpPr>
-      <p:grpSpPr>
-        <a:xfrm>
-          <a:off x="0" y="0"/>
-          <a:ext cx="0" cy="0"/>
-          <a:chOff x="0" y="0"/>
-          <a:chExt cx="0" cy="0"/>
-        </a:xfrm>
-      </p:grpSpPr>
-      <p:sp>
-        <p:nvSpPr>
-          <p:cNvPr id="2" name="Espaço Reservado para Imagem de Slide 1">
-            <a:extLst>
-              <a:ext uri="{FF2B5EF4-FFF2-40B4-BE49-F238E27FC236}">
-                <a16:creationId xmlns:a16="http://schemas.microsoft.com/office/drawing/2014/main" id="{E2FB7C0A-528E-4721-544D-DD67F4D4BCAD}"/>
-              </a:ext>
-            </a:extLst>
-          </p:cNvPr>
-          <p:cNvSpPr>
-            <a:spLocks noGrp="1" noRot="1" noChangeAspect="1"/>
-          </p:cNvSpPr>
-          <p:nvPr>
-            <p:ph type="sldImg"/>
-          </p:nvPr>
-        </p:nvSpPr>
-        <p:spPr/>
-      </p:sp>
-      <p:sp>
-        <p:nvSpPr>
-          <p:cNvPr id="3" name="Espaço Reservado para Anotações 2">
-            <a:extLst>
-              <a:ext uri="{FF2B5EF4-FFF2-40B4-BE49-F238E27FC236}">
-                <a16:creationId xmlns:a16="http://schemas.microsoft.com/office/drawing/2014/main" id="{E96595E2-D69A-31D3-45D7-FDEFAF981EC1}"/>
-              </a:ext>
-            </a:extLst>
-          </p:cNvPr>
-          <p:cNvSpPr>
-            <a:spLocks noGrp="1"/>
-          </p:cNvSpPr>
-          <p:nvPr>
-            <p:ph type="body" idx="1"/>
-          </p:nvPr>
-        </p:nvSpPr>
-        <p:spPr/>
-        <p:txBody>
-          <a:bodyPr/>
-          <a:lstStyle/>
-          <a:p>
-            <a:endParaRPr lang="pt-BR" dirty="0"/>
-          </a:p>
-        </p:txBody>
-      </p:sp>
-      <p:sp>
-        <p:nvSpPr>
-          <p:cNvPr id="4" name="Espaço Reservado para Cabeçalho 3">
-            <a:extLst>
-              <a:ext uri="{FF2B5EF4-FFF2-40B4-BE49-F238E27FC236}">
-                <a16:creationId xmlns:a16="http://schemas.microsoft.com/office/drawing/2014/main" id="{1BABDAB4-B5C1-92E1-5B28-FB0D6057C560}"/>
-              </a:ext>
-            </a:extLst>
-          </p:cNvPr>
-          <p:cNvSpPr>
-            <a:spLocks noGrp="1"/>
-          </p:cNvSpPr>
-          <p:nvPr>
-            <p:ph type="hdr" sz="quarter" idx="10"/>
-          </p:nvPr>
-        </p:nvSpPr>
-        <p:spPr/>
-        <p:txBody>
-          <a:bodyPr/>
-          <a:lstStyle/>
-          <a:p>
-            <a:r>
-              <a:rPr lang="en-US"/>
-              <a:t>Microsoft Ignite 2016</a:t>
-            </a:r>
-            <a:endParaRPr lang="en-US" dirty="0"/>
-          </a:p>
-        </p:txBody>
-      </p:sp>
-      <p:sp>
-        <p:nvSpPr>
-          <p:cNvPr id="5" name="Espaço Reservado para Rodapé 4">
-            <a:extLst>
-              <a:ext uri="{FF2B5EF4-FFF2-40B4-BE49-F238E27FC236}">
-                <a16:creationId xmlns:a16="http://schemas.microsoft.com/office/drawing/2014/main" id="{CB2DCB78-FB51-5C10-A4B7-0B7DBED63DE4}"/>
-              </a:ext>
-            </a:extLst>
-          </p:cNvPr>
-          <p:cNvSpPr>
-            <a:spLocks noGrp="1"/>
-          </p:cNvSpPr>
-          <p:nvPr>
-            <p:ph type="ftr" sz="quarter" idx="11"/>
-          </p:nvPr>
-        </p:nvSpPr>
-        <p:spPr/>
-        <p:txBody>
-          <a:bodyPr/>
-          <a:lstStyle/>
-          <a:p>
-            <a:pPr defTabSz="914099" eaLnBrk="0" hangingPunct="0"/>
-            <a:r>
-              <a:rPr lang="en-US" sz="400">
-                <a:gradFill>
-                  <a:gsLst>
-                    <a:gs pos="0">
-                      <a:prstClr val="black"/>
-                    </a:gs>
-                    <a:gs pos="100000">
-                      <a:prstClr val="black"/>
-                    </a:gs>
-                  </a:gsLst>
-                  <a:lin ang="5400000" scaled="0"/>
-                </a:gradFill>
-                <a:latin typeface="Segoe UI" pitchFamily="34" charset="0"/>
-                <a:ea typeface="Segoe UI" pitchFamily="34" charset="0"/>
-                <a:cs typeface="Segoe UI" pitchFamily="34" charset="0"/>
-              </a:rPr>
-              <a:t>© 2016 Microsoft Corporation. All rights reserved. MICROSOFT MAKES NO WARRANTIES, EXPRESS, IMPLIED OR STATUTORY, AS TO THE INFORMATION IN THIS PRESENTATION.</a:t>
-            </a:r>
-            <a:endParaRPr lang="en-US" sz="400" dirty="0">
-              <a:gradFill>
-                <a:gsLst>
-                  <a:gs pos="0">
-                    <a:prstClr val="black"/>
-                  </a:gs>
-                  <a:gs pos="100000">
-                    <a:prstClr val="black"/>
-                  </a:gs>
-                </a:gsLst>
-                <a:lin ang="5400000" scaled="0"/>
-              </a:gradFill>
-              <a:latin typeface="Segoe UI" pitchFamily="34" charset="0"/>
-              <a:ea typeface="Segoe UI" pitchFamily="34" charset="0"/>
-              <a:cs typeface="Segoe UI" pitchFamily="34" charset="0"/>
-            </a:endParaRPr>
-          </a:p>
-        </p:txBody>
-      </p:sp>
-      <p:sp>
-        <p:nvSpPr>
-          <p:cNvPr id="6" name="Espaço Reservado para Data 5">
-            <a:extLst>
-              <a:ext uri="{FF2B5EF4-FFF2-40B4-BE49-F238E27FC236}">
-                <a16:creationId xmlns:a16="http://schemas.microsoft.com/office/drawing/2014/main" id="{5070FF31-D8DF-FB72-42EF-7B3DFEE2F0D5}"/>
-              </a:ext>
-            </a:extLst>
-          </p:cNvPr>
-          <p:cNvSpPr>
-            <a:spLocks noGrp="1"/>
-          </p:cNvSpPr>
-          <p:nvPr>
-            <p:ph type="dt" idx="12"/>
-          </p:nvPr>
-        </p:nvSpPr>
-        <p:spPr/>
-        <p:txBody>
-          <a:bodyPr/>
-          <a:lstStyle/>
-          <a:p>
-            <a:fld id="{38EEC551-8CDA-4EB6-89BB-2A86C9F091C8}" type="datetime8">
-              <a:rPr lang="en-US" smtClean="0"/>
-              <a:t>11/28/2024 1:10 PM</a:t>
-            </a:fld>
-            <a:endParaRPr lang="en-US" dirty="0"/>
-          </a:p>
-        </p:txBody>
-      </p:sp>
-      <p:sp>
-        <p:nvSpPr>
-          <p:cNvPr id="7" name="Espaço Reservado para Número de Slide 6">
-            <a:extLst>
-              <a:ext uri="{FF2B5EF4-FFF2-40B4-BE49-F238E27FC236}">
-                <a16:creationId xmlns:a16="http://schemas.microsoft.com/office/drawing/2014/main" id="{88CFF03B-C44C-3D74-A17A-0C3B98E56FDA}"/>
-              </a:ext>
-            </a:extLst>
-          </p:cNvPr>
-          <p:cNvSpPr>
-            <a:spLocks noGrp="1"/>
-          </p:cNvSpPr>
-          <p:nvPr>
-            <p:ph type="sldNum" sz="quarter" idx="13"/>
-          </p:nvPr>
-        </p:nvSpPr>
-        <p:spPr/>
-        <p:txBody>
-          <a:bodyPr/>
-          <a:lstStyle/>
-          <a:p>
-            <a:fld id="{B4008EB6-D09E-4580-8CD6-DDB14511944F}" type="slidenum">
-              <a:rPr lang="en-US" smtClean="0"/>
-              <a:pPr/>
-              <a:t>16</a:t>
-            </a:fld>
-            <a:endParaRPr lang="en-US" dirty="0"/>
-          </a:p>
-        </p:txBody>
-      </p:sp>
-    </p:spTree>
-    <p:extLst>
-      <p:ext uri="{BB962C8B-B14F-4D97-AF65-F5344CB8AC3E}">
-        <p14:creationId xmlns:p14="http://schemas.microsoft.com/office/powerpoint/2010/main" val="1734348815"/>
       </p:ext>
     </p:extLst>
   </p:cSld>
@@ -2643,7 +2643,7 @@
           <a:p>
             <a:fld id="{38EEC551-8CDA-4EB6-89BB-2A86C9F091C8}" type="datetime8">
               <a:rPr lang="en-US" smtClean="0"/>
-              <a:t>11/28/2024 2:35 PM</a:t>
+              <a:t>11/28/2024 2:42 PM</a:t>
             </a:fld>
             <a:endParaRPr lang="en-US" dirty="0"/>
           </a:p>
@@ -2927,7 +2927,7 @@
                 <a:tabLst/>
                 <a:defRPr/>
               </a:pPr>
-              <a:t>11/28/2024 11:37 AM</a:t>
+              <a:t>11/28/2024 2:42 PM</a:t>
             </a:fld>
             <a:endParaRPr kumimoji="0" lang="en-US" sz="1800" b="0" i="0" u="none" strike="noStrike" kern="0" cap="none" spc="0" normalizeH="0" baseline="0" noProof="0">
               <a:ln>
@@ -3515,7 +3515,7 @@
           <a:p>
             <a:fld id="{38EEC551-8CDA-4EB6-89BB-2A86C9F091C8}" type="datetime8">
               <a:rPr lang="en-US" smtClean="0"/>
-              <a:t>11/28/2024 2:12 PM</a:t>
+              <a:t>11/28/2024 2:42 PM</a:t>
             </a:fld>
             <a:endParaRPr lang="en-US" dirty="0"/>
           </a:p>
@@ -3700,7 +3700,7 @@
           <a:p>
             <a:fld id="{38EEC551-8CDA-4EB6-89BB-2A86C9F091C8}" type="datetime8">
               <a:rPr lang="en-US" smtClean="0"/>
-              <a:t>11/28/2024 2:30 PM</a:t>
+              <a:t>11/28/2024 2:42 PM</a:t>
             </a:fld>
             <a:endParaRPr lang="en-US" dirty="0"/>
           </a:p>
@@ -3885,7 +3885,7 @@
           <a:p>
             <a:fld id="{38EEC551-8CDA-4EB6-89BB-2A86C9F091C8}" type="datetime8">
               <a:rPr lang="en-US" smtClean="0"/>
-              <a:t>11/28/2024 2:15 PM</a:t>
+              <a:t>11/28/2024 2:42 PM</a:t>
             </a:fld>
             <a:endParaRPr lang="en-US" dirty="0"/>
           </a:p>
@@ -4106,7 +4106,7 @@
           <a:p>
             <a:fld id="{38EEC551-8CDA-4EB6-89BB-2A86C9F091C8}" type="datetime8">
               <a:rPr lang="en-US" smtClean="0"/>
-              <a:t>11/28/2024 2:15 PM</a:t>
+              <a:t>11/28/2024 2:42 PM</a:t>
             </a:fld>
             <a:endParaRPr lang="en-US" dirty="0"/>
           </a:p>
@@ -28181,6 +28181,402 @@
   <p:cSld>
     <p:spTree>
       <p:nvGrpSpPr>
+        <p:cNvPr id="1" name="">
+          <a:extLst>
+            <a:ext uri="{FF2B5EF4-FFF2-40B4-BE49-F238E27FC236}">
+              <a16:creationId xmlns:a16="http://schemas.microsoft.com/office/drawing/2014/main" id="{FE00B63F-D44E-1932-7612-701D63054013}"/>
+            </a:ext>
+          </a:extLst>
+        </p:cNvPr>
+        <p:cNvGrpSpPr/>
+        <p:nvPr/>
+      </p:nvGrpSpPr>
+      <p:grpSpPr>
+        <a:xfrm>
+          <a:off x="0" y="0"/>
+          <a:ext cx="0" cy="0"/>
+          <a:chOff x="0" y="0"/>
+          <a:chExt cx="0" cy="0"/>
+        </a:xfrm>
+      </p:grpSpPr>
+      <p:sp>
+        <p:nvSpPr>
+          <p:cNvPr id="2" name="Título 1">
+            <a:extLst>
+              <a:ext uri="{FF2B5EF4-FFF2-40B4-BE49-F238E27FC236}">
+                <a16:creationId xmlns:a16="http://schemas.microsoft.com/office/drawing/2014/main" id="{A1D16A00-2E31-E929-255A-E2252133B231}"/>
+              </a:ext>
+            </a:extLst>
+          </p:cNvPr>
+          <p:cNvSpPr>
+            <a:spLocks noGrp="1"/>
+          </p:cNvSpPr>
+          <p:nvPr>
+            <p:ph type="title"/>
+          </p:nvPr>
+        </p:nvSpPr>
+        <p:spPr/>
+        <p:txBody>
+          <a:bodyPr/>
+          <a:lstStyle/>
+          <a:p>
+            <a:r>
+              <a:rPr lang="en-US" dirty="0">
+                <a:solidFill>
+                  <a:schemeClr val="accent3">
+                    <a:lumMod val="75000"/>
+                  </a:schemeClr>
+                </a:solidFill>
+              </a:rPr>
+              <a:t>Docker Scout</a:t>
+            </a:r>
+            <a:endParaRPr lang="pt-BR" dirty="0">
+              <a:solidFill>
+                <a:schemeClr val="accent3">
+                  <a:lumMod val="75000"/>
+                </a:schemeClr>
+              </a:solidFill>
+            </a:endParaRPr>
+          </a:p>
+        </p:txBody>
+      </p:sp>
+      <p:sp>
+        <p:nvSpPr>
+          <p:cNvPr id="3" name="Espaço Reservado para Texto 2">
+            <a:extLst>
+              <a:ext uri="{FF2B5EF4-FFF2-40B4-BE49-F238E27FC236}">
+                <a16:creationId xmlns:a16="http://schemas.microsoft.com/office/drawing/2014/main" id="{A7C1C4B8-AF7C-1B8D-D4B3-33197E19983E}"/>
+              </a:ext>
+            </a:extLst>
+          </p:cNvPr>
+          <p:cNvSpPr>
+            <a:spLocks noGrp="1"/>
+          </p:cNvSpPr>
+          <p:nvPr>
+            <p:ph type="body" sz="quarter" idx="10"/>
+          </p:nvPr>
+        </p:nvSpPr>
+        <p:spPr>
+          <a:xfrm>
+            <a:off x="277003" y="1439862"/>
+            <a:ext cx="8379634" cy="4579715"/>
+          </a:xfrm>
+        </p:spPr>
+        <p:txBody>
+          <a:bodyPr/>
+          <a:lstStyle/>
+          <a:p>
+            <a:pPr marL="571500" indent="-571500">
+              <a:buFont typeface="Arial" panose="020B0604020202020204" pitchFamily="34" charset="0"/>
+              <a:buChar char="•"/>
+            </a:pPr>
+            <a:r>
+              <a:rPr lang="pt-BR" sz="2800" b="1" dirty="0">
+                <a:solidFill>
+                  <a:srgbClr val="494949"/>
+                </a:solidFill>
+              </a:rPr>
+              <a:t>Análise de vulnerabilidades em imagens de containers</a:t>
+            </a:r>
+          </a:p>
+          <a:p>
+            <a:pPr marL="571500" indent="-571500">
+              <a:buFont typeface="Arial" panose="020B0604020202020204" pitchFamily="34" charset="0"/>
+              <a:buChar char="•"/>
+            </a:pPr>
+            <a:endParaRPr lang="pt-BR" sz="2800" b="1" dirty="0">
+              <a:solidFill>
+                <a:srgbClr val="494949"/>
+              </a:solidFill>
+            </a:endParaRPr>
+          </a:p>
+          <a:p>
+            <a:pPr marL="571500" indent="-571500">
+              <a:buFont typeface="Arial" panose="020B0604020202020204" pitchFamily="34" charset="0"/>
+              <a:buChar char="•"/>
+            </a:pPr>
+            <a:r>
+              <a:rPr lang="pt-BR" sz="2800" dirty="0">
+                <a:solidFill>
+                  <a:srgbClr val="494949"/>
+                </a:solidFill>
+              </a:rPr>
+              <a:t>Similar ao projeto </a:t>
+            </a:r>
+            <a:r>
+              <a:rPr lang="pt-BR" sz="2800" b="1" dirty="0" err="1">
+                <a:solidFill>
+                  <a:srgbClr val="494949"/>
+                </a:solidFill>
+              </a:rPr>
+              <a:t>Trivy</a:t>
+            </a:r>
+            <a:endParaRPr lang="pt-BR" sz="2800" b="1" dirty="0">
+              <a:solidFill>
+                <a:srgbClr val="494949"/>
+              </a:solidFill>
+            </a:endParaRPr>
+          </a:p>
+          <a:p>
+            <a:pPr marL="571500" indent="-571500">
+              <a:buFont typeface="Arial" panose="020B0604020202020204" pitchFamily="34" charset="0"/>
+              <a:buChar char="•"/>
+            </a:pPr>
+            <a:endParaRPr lang="pt-BR" sz="2800" b="1" dirty="0">
+              <a:solidFill>
+                <a:srgbClr val="494949"/>
+              </a:solidFill>
+            </a:endParaRPr>
+          </a:p>
+          <a:p>
+            <a:pPr marL="571500" indent="-571500">
+              <a:buFont typeface="Arial" panose="020B0604020202020204" pitchFamily="34" charset="0"/>
+              <a:buChar char="•"/>
+            </a:pPr>
+            <a:r>
+              <a:rPr lang="pt-BR" sz="2800" dirty="0">
+                <a:solidFill>
+                  <a:srgbClr val="494949"/>
+                </a:solidFill>
+              </a:rPr>
+              <a:t>Resultados podem ser publicados em formatos como </a:t>
+            </a:r>
+            <a:r>
+              <a:rPr lang="pt-BR" sz="2800" b="1" dirty="0">
+                <a:solidFill>
+                  <a:srgbClr val="494949"/>
+                </a:solidFill>
+              </a:rPr>
+              <a:t>SARIF (</a:t>
+            </a:r>
+            <a:r>
+              <a:rPr lang="pt-BR" sz="2800" b="1" dirty="0" err="1">
+                <a:solidFill>
+                  <a:srgbClr val="494949"/>
+                </a:solidFill>
+              </a:rPr>
+              <a:t>Static</a:t>
+            </a:r>
+            <a:r>
+              <a:rPr lang="pt-BR" sz="2800" b="1" dirty="0">
+                <a:solidFill>
+                  <a:srgbClr val="494949"/>
+                </a:solidFill>
+              </a:rPr>
+              <a:t> </a:t>
+            </a:r>
+            <a:r>
+              <a:rPr lang="pt-BR" sz="2800" b="1" dirty="0" err="1">
+                <a:solidFill>
+                  <a:srgbClr val="494949"/>
+                </a:solidFill>
+              </a:rPr>
+              <a:t>Analysis</a:t>
+            </a:r>
+            <a:r>
+              <a:rPr lang="pt-BR" sz="2800" b="1" dirty="0">
+                <a:solidFill>
+                  <a:srgbClr val="494949"/>
+                </a:solidFill>
+              </a:rPr>
+              <a:t> </a:t>
+            </a:r>
+            <a:r>
+              <a:rPr lang="pt-BR" sz="2800" b="1" dirty="0" err="1">
+                <a:solidFill>
+                  <a:srgbClr val="494949"/>
+                </a:solidFill>
+              </a:rPr>
+              <a:t>Results</a:t>
+            </a:r>
+            <a:r>
+              <a:rPr lang="pt-BR" sz="2800" b="1" dirty="0">
+                <a:solidFill>
+                  <a:srgbClr val="494949"/>
+                </a:solidFill>
+              </a:rPr>
+              <a:t> </a:t>
+            </a:r>
+            <a:r>
+              <a:rPr lang="pt-BR" sz="2800" b="1" dirty="0" err="1">
+                <a:solidFill>
+                  <a:srgbClr val="494949"/>
+                </a:solidFill>
+              </a:rPr>
+              <a:t>Interchange</a:t>
+            </a:r>
+            <a:r>
+              <a:rPr lang="pt-BR" sz="2800" b="1" dirty="0">
+                <a:solidFill>
+                  <a:srgbClr val="494949"/>
+                </a:solidFill>
+              </a:rPr>
+              <a:t> Format)</a:t>
+            </a:r>
+            <a:r>
+              <a:rPr lang="pt-BR" sz="2800" dirty="0">
+                <a:solidFill>
+                  <a:srgbClr val="494949"/>
+                </a:solidFill>
+              </a:rPr>
+              <a:t> e </a:t>
+            </a:r>
+            <a:r>
+              <a:rPr lang="pt-BR" sz="2800" b="1" dirty="0" err="1">
+                <a:solidFill>
+                  <a:srgbClr val="494949"/>
+                </a:solidFill>
+              </a:rPr>
+              <a:t>Markdown</a:t>
+            </a:r>
+            <a:endParaRPr lang="pt-BR" sz="2800" b="1" dirty="0">
+              <a:solidFill>
+                <a:srgbClr val="494949"/>
+              </a:solidFill>
+            </a:endParaRPr>
+          </a:p>
+          <a:p>
+            <a:pPr marL="571500" indent="-571500">
+              <a:buFont typeface="Arial" panose="020B0604020202020204" pitchFamily="34" charset="0"/>
+              <a:buChar char="•"/>
+            </a:pPr>
+            <a:endParaRPr lang="pt-BR" sz="2800" b="1" dirty="0">
+              <a:solidFill>
+                <a:srgbClr val="494949"/>
+              </a:solidFill>
+            </a:endParaRPr>
+          </a:p>
+          <a:p>
+            <a:pPr marL="571500" indent="-571500">
+              <a:buFont typeface="Arial" panose="020B0604020202020204" pitchFamily="34" charset="0"/>
+              <a:buChar char="•"/>
+            </a:pPr>
+            <a:r>
+              <a:rPr lang="pt-BR" sz="2800" b="1" dirty="0">
+                <a:solidFill>
+                  <a:srgbClr val="494949"/>
+                </a:solidFill>
+              </a:rPr>
+              <a:t>Site:</a:t>
+            </a:r>
+            <a:r>
+              <a:rPr lang="pt-BR" sz="2800" dirty="0">
+                <a:solidFill>
+                  <a:srgbClr val="494949"/>
+                </a:solidFill>
+              </a:rPr>
+              <a:t> </a:t>
+            </a:r>
+            <a:r>
+              <a:rPr lang="pt-BR" sz="2800" dirty="0">
+                <a:solidFill>
+                  <a:srgbClr val="494949"/>
+                </a:solidFill>
+                <a:hlinkClick r:id="rId3"/>
+              </a:rPr>
+              <a:t>https://docs.docker.com/scout/</a:t>
+            </a:r>
+            <a:endParaRPr lang="pt-BR" sz="2800" b="1" dirty="0">
+              <a:solidFill>
+                <a:srgbClr val="494949"/>
+              </a:solidFill>
+            </a:endParaRPr>
+          </a:p>
+        </p:txBody>
+      </p:sp>
+      <p:pic>
+        <p:nvPicPr>
+          <p:cNvPr id="8" name="Gráfico 7">
+            <a:extLst>
+              <a:ext uri="{FF2B5EF4-FFF2-40B4-BE49-F238E27FC236}">
+                <a16:creationId xmlns:a16="http://schemas.microsoft.com/office/drawing/2014/main" id="{6C936B1B-A555-A0A7-44E8-3D70F82CCAA4}"/>
+              </a:ext>
+            </a:extLst>
+          </p:cNvPr>
+          <p:cNvPicPr>
+            <a:picLocks noChangeAspect="1"/>
+          </p:cNvPicPr>
+          <p:nvPr/>
+        </p:nvPicPr>
+        <p:blipFill>
+          <a:blip r:embed="rId4">
+            <a:extLst>
+              <a:ext uri="{96DAC541-7B7A-43D3-8B79-37D633B846F1}">
+                <asvg:svgBlip xmlns:asvg="http://schemas.microsoft.com/office/drawing/2016/SVG/main" r:embed="rId5"/>
+              </a:ext>
+            </a:extLst>
+          </a:blip>
+          <a:stretch>
+            <a:fillRect/>
+          </a:stretch>
+        </p:blipFill>
+        <p:spPr>
+          <a:xfrm>
+            <a:off x="9647237" y="1668935"/>
+            <a:ext cx="2261276" cy="1785690"/>
+          </a:xfrm>
+          <a:prstGeom prst="rect">
+            <a:avLst/>
+          </a:prstGeom>
+        </p:spPr>
+      </p:pic>
+      <p:pic>
+        <p:nvPicPr>
+          <p:cNvPr id="9" name="Gráfico 8">
+            <a:extLst>
+              <a:ext uri="{FF2B5EF4-FFF2-40B4-BE49-F238E27FC236}">
+                <a16:creationId xmlns:a16="http://schemas.microsoft.com/office/drawing/2014/main" id="{96DB7876-85ED-E716-73BC-C166846CACC9}"/>
+              </a:ext>
+            </a:extLst>
+          </p:cNvPr>
+          <p:cNvPicPr>
+            <a:picLocks noChangeAspect="1"/>
+          </p:cNvPicPr>
+          <p:nvPr/>
+        </p:nvPicPr>
+        <p:blipFill>
+          <a:blip r:embed="rId6">
+            <a:extLst>
+              <a:ext uri="{96DAC541-7B7A-43D3-8B79-37D633B846F1}">
+                <asvg:svgBlip xmlns:asvg="http://schemas.microsoft.com/office/drawing/2016/SVG/main" r:embed="rId7"/>
+              </a:ext>
+            </a:extLst>
+          </a:blip>
+          <a:stretch>
+            <a:fillRect/>
+          </a:stretch>
+        </p:blipFill>
+        <p:spPr>
+          <a:xfrm>
+            <a:off x="8351837" y="3415237"/>
+            <a:ext cx="1892988" cy="1892988"/>
+          </a:xfrm>
+          <a:prstGeom prst="rect">
+            <a:avLst/>
+          </a:prstGeom>
+        </p:spPr>
+      </p:pic>
+    </p:spTree>
+    <p:extLst>
+      <p:ext uri="{BB962C8B-B14F-4D97-AF65-F5344CB8AC3E}">
+        <p14:creationId xmlns:p14="http://schemas.microsoft.com/office/powerpoint/2010/main" val="361359516"/>
+      </p:ext>
+    </p:extLst>
+  </p:cSld>
+  <p:clrMapOvr>
+    <a:masterClrMapping/>
+  </p:clrMapOvr>
+  <p:transition>
+    <p:fade/>
+  </p:transition>
+</p:sld>
+</file>
+
+<file path=ppt/slides/slide11.xml><?xml version="1.0" encoding="utf-8"?>
+<p:sld xmlns:a="http://schemas.openxmlformats.org/drawingml/2006/main" xmlns:r="http://schemas.openxmlformats.org/officeDocument/2006/relationships" xmlns:p="http://schemas.openxmlformats.org/presentationml/2006/main">
+  <p:cSld>
+    <p:spTree>
+      <p:nvGrpSpPr>
         <p:cNvPr id="1" name=""/>
         <p:cNvGrpSpPr/>
         <p:nvPr/>
@@ -28472,7 +28868,7 @@
 </p:sld>
 </file>
 
-<file path=ppt/slides/slide11.xml><?xml version="1.0" encoding="utf-8"?>
+<file path=ppt/slides/slide12.xml><?xml version="1.0" encoding="utf-8"?>
 <p:sld xmlns:a="http://schemas.openxmlformats.org/drawingml/2006/main" xmlns:r="http://schemas.openxmlformats.org/officeDocument/2006/relationships" xmlns:p="http://schemas.openxmlformats.org/presentationml/2006/main">
   <p:cSld>
     <p:spTree>
@@ -28801,7 +29197,7 @@
 </p:sld>
 </file>
 
-<file path=ppt/slides/slide12.xml><?xml version="1.0" encoding="utf-8"?>
+<file path=ppt/slides/slide13.xml><?xml version="1.0" encoding="utf-8"?>
 <p:sld xmlns:a="http://schemas.openxmlformats.org/drawingml/2006/main" xmlns:r="http://schemas.openxmlformats.org/officeDocument/2006/relationships" xmlns:p="http://schemas.openxmlformats.org/presentationml/2006/main">
   <p:cSld>
     <p:spTree>
@@ -29113,7 +29509,7 @@
 </p:sld>
 </file>
 
-<file path=ppt/slides/slide13.xml><?xml version="1.0" encoding="utf-8"?>
+<file path=ppt/slides/slide14.xml><?xml version="1.0" encoding="utf-8"?>
 <p:sld xmlns:a="http://schemas.openxmlformats.org/drawingml/2006/main" xmlns:r="http://schemas.openxmlformats.org/officeDocument/2006/relationships" xmlns:p="http://schemas.openxmlformats.org/presentationml/2006/main">
   <p:cSld>
     <p:spTree>
@@ -29492,7 +29888,7 @@
 </p:sld>
 </file>
 
-<file path=ppt/slides/slide14.xml><?xml version="1.0" encoding="utf-8"?>
+<file path=ppt/slides/slide15.xml><?xml version="1.0" encoding="utf-8"?>
 <p:sld xmlns:a="http://schemas.openxmlformats.org/drawingml/2006/main" xmlns:r="http://schemas.openxmlformats.org/officeDocument/2006/relationships" xmlns:p="http://schemas.openxmlformats.org/presentationml/2006/main">
   <p:cSld>
     <p:spTree>
@@ -29905,7 +30301,7 @@
 </p:sld>
 </file>
 
-<file path=ppt/slides/slide15.xml><?xml version="1.0" encoding="utf-8"?>
+<file path=ppt/slides/slide16.xml><?xml version="1.0" encoding="utf-8"?>
 <p:sld xmlns:a="http://schemas.openxmlformats.org/drawingml/2006/main" xmlns:r="http://schemas.openxmlformats.org/officeDocument/2006/relationships" xmlns:p="http://schemas.openxmlformats.org/presentationml/2006/main">
   <p:cSld>
     <p:spTree>
@@ -30365,402 +30761,6 @@
     <p:extLst>
       <p:ext uri="{BB962C8B-B14F-4D97-AF65-F5344CB8AC3E}">
         <p14:creationId xmlns:p14="http://schemas.microsoft.com/office/powerpoint/2010/main" val="3436428070"/>
-      </p:ext>
-    </p:extLst>
-  </p:cSld>
-  <p:clrMapOvr>
-    <a:masterClrMapping/>
-  </p:clrMapOvr>
-  <p:transition>
-    <p:fade/>
-  </p:transition>
-</p:sld>
-</file>
-
-<file path=ppt/slides/slide16.xml><?xml version="1.0" encoding="utf-8"?>
-<p:sld xmlns:a="http://schemas.openxmlformats.org/drawingml/2006/main" xmlns:r="http://schemas.openxmlformats.org/officeDocument/2006/relationships" xmlns:p="http://schemas.openxmlformats.org/presentationml/2006/main">
-  <p:cSld>
-    <p:spTree>
-      <p:nvGrpSpPr>
-        <p:cNvPr id="1" name="">
-          <a:extLst>
-            <a:ext uri="{FF2B5EF4-FFF2-40B4-BE49-F238E27FC236}">
-              <a16:creationId xmlns:a16="http://schemas.microsoft.com/office/drawing/2014/main" id="{FE00B63F-D44E-1932-7612-701D63054013}"/>
-            </a:ext>
-          </a:extLst>
-        </p:cNvPr>
-        <p:cNvGrpSpPr/>
-        <p:nvPr/>
-      </p:nvGrpSpPr>
-      <p:grpSpPr>
-        <a:xfrm>
-          <a:off x="0" y="0"/>
-          <a:ext cx="0" cy="0"/>
-          <a:chOff x="0" y="0"/>
-          <a:chExt cx="0" cy="0"/>
-        </a:xfrm>
-      </p:grpSpPr>
-      <p:sp>
-        <p:nvSpPr>
-          <p:cNvPr id="2" name="Título 1">
-            <a:extLst>
-              <a:ext uri="{FF2B5EF4-FFF2-40B4-BE49-F238E27FC236}">
-                <a16:creationId xmlns:a16="http://schemas.microsoft.com/office/drawing/2014/main" id="{A1D16A00-2E31-E929-255A-E2252133B231}"/>
-              </a:ext>
-            </a:extLst>
-          </p:cNvPr>
-          <p:cNvSpPr>
-            <a:spLocks noGrp="1"/>
-          </p:cNvSpPr>
-          <p:nvPr>
-            <p:ph type="title"/>
-          </p:nvPr>
-        </p:nvSpPr>
-        <p:spPr/>
-        <p:txBody>
-          <a:bodyPr/>
-          <a:lstStyle/>
-          <a:p>
-            <a:r>
-              <a:rPr lang="en-US" dirty="0">
-                <a:solidFill>
-                  <a:schemeClr val="accent3">
-                    <a:lumMod val="75000"/>
-                  </a:schemeClr>
-                </a:solidFill>
-              </a:rPr>
-              <a:t>Docker Scout</a:t>
-            </a:r>
-            <a:endParaRPr lang="pt-BR" dirty="0">
-              <a:solidFill>
-                <a:schemeClr val="accent3">
-                  <a:lumMod val="75000"/>
-                </a:schemeClr>
-              </a:solidFill>
-            </a:endParaRPr>
-          </a:p>
-        </p:txBody>
-      </p:sp>
-      <p:sp>
-        <p:nvSpPr>
-          <p:cNvPr id="3" name="Espaço Reservado para Texto 2">
-            <a:extLst>
-              <a:ext uri="{FF2B5EF4-FFF2-40B4-BE49-F238E27FC236}">
-                <a16:creationId xmlns:a16="http://schemas.microsoft.com/office/drawing/2014/main" id="{A7C1C4B8-AF7C-1B8D-D4B3-33197E19983E}"/>
-              </a:ext>
-            </a:extLst>
-          </p:cNvPr>
-          <p:cNvSpPr>
-            <a:spLocks noGrp="1"/>
-          </p:cNvSpPr>
-          <p:nvPr>
-            <p:ph type="body" sz="quarter" idx="10"/>
-          </p:nvPr>
-        </p:nvSpPr>
-        <p:spPr>
-          <a:xfrm>
-            <a:off x="277003" y="1439862"/>
-            <a:ext cx="8379634" cy="4579715"/>
-          </a:xfrm>
-        </p:spPr>
-        <p:txBody>
-          <a:bodyPr/>
-          <a:lstStyle/>
-          <a:p>
-            <a:pPr marL="571500" indent="-571500">
-              <a:buFont typeface="Arial" panose="020B0604020202020204" pitchFamily="34" charset="0"/>
-              <a:buChar char="•"/>
-            </a:pPr>
-            <a:r>
-              <a:rPr lang="pt-BR" sz="2800" dirty="0">
-                <a:solidFill>
-                  <a:srgbClr val="494949"/>
-                </a:solidFill>
-              </a:rPr>
-              <a:t>Análise de vulnerabilidades em imagens de containers</a:t>
-            </a:r>
-          </a:p>
-          <a:p>
-            <a:pPr marL="571500" indent="-571500">
-              <a:buFont typeface="Arial" panose="020B0604020202020204" pitchFamily="34" charset="0"/>
-              <a:buChar char="•"/>
-            </a:pPr>
-            <a:endParaRPr lang="pt-BR" sz="2800" b="1" dirty="0">
-              <a:solidFill>
-                <a:srgbClr val="494949"/>
-              </a:solidFill>
-            </a:endParaRPr>
-          </a:p>
-          <a:p>
-            <a:pPr marL="571500" indent="-571500">
-              <a:buFont typeface="Arial" panose="020B0604020202020204" pitchFamily="34" charset="0"/>
-              <a:buChar char="•"/>
-            </a:pPr>
-            <a:r>
-              <a:rPr lang="pt-BR" sz="2800" dirty="0">
-                <a:solidFill>
-                  <a:srgbClr val="494949"/>
-                </a:solidFill>
-              </a:rPr>
-              <a:t>Similar ao projeto </a:t>
-            </a:r>
-            <a:r>
-              <a:rPr lang="pt-BR" sz="2800" b="1" dirty="0" err="1">
-                <a:solidFill>
-                  <a:srgbClr val="494949"/>
-                </a:solidFill>
-              </a:rPr>
-              <a:t>Trivy</a:t>
-            </a:r>
-            <a:endParaRPr lang="pt-BR" sz="2800" b="1" dirty="0">
-              <a:solidFill>
-                <a:srgbClr val="494949"/>
-              </a:solidFill>
-            </a:endParaRPr>
-          </a:p>
-          <a:p>
-            <a:pPr marL="571500" indent="-571500">
-              <a:buFont typeface="Arial" panose="020B0604020202020204" pitchFamily="34" charset="0"/>
-              <a:buChar char="•"/>
-            </a:pPr>
-            <a:endParaRPr lang="pt-BR" sz="2800" b="1" dirty="0">
-              <a:solidFill>
-                <a:srgbClr val="494949"/>
-              </a:solidFill>
-            </a:endParaRPr>
-          </a:p>
-          <a:p>
-            <a:pPr marL="571500" indent="-571500">
-              <a:buFont typeface="Arial" panose="020B0604020202020204" pitchFamily="34" charset="0"/>
-              <a:buChar char="•"/>
-            </a:pPr>
-            <a:r>
-              <a:rPr lang="pt-BR" sz="2800" dirty="0">
-                <a:solidFill>
-                  <a:srgbClr val="494949"/>
-                </a:solidFill>
-              </a:rPr>
-              <a:t>Resultados podem ser publicados em formatos como </a:t>
-            </a:r>
-            <a:r>
-              <a:rPr lang="pt-BR" sz="2800" b="1" dirty="0">
-                <a:solidFill>
-                  <a:srgbClr val="494949"/>
-                </a:solidFill>
-              </a:rPr>
-              <a:t>SARIF (</a:t>
-            </a:r>
-            <a:r>
-              <a:rPr lang="pt-BR" sz="2800" b="1" dirty="0" err="1">
-                <a:solidFill>
-                  <a:srgbClr val="494949"/>
-                </a:solidFill>
-              </a:rPr>
-              <a:t>Static</a:t>
-            </a:r>
-            <a:r>
-              <a:rPr lang="pt-BR" sz="2800" b="1" dirty="0">
-                <a:solidFill>
-                  <a:srgbClr val="494949"/>
-                </a:solidFill>
-              </a:rPr>
-              <a:t> </a:t>
-            </a:r>
-            <a:r>
-              <a:rPr lang="pt-BR" sz="2800" b="1" dirty="0" err="1">
-                <a:solidFill>
-                  <a:srgbClr val="494949"/>
-                </a:solidFill>
-              </a:rPr>
-              <a:t>Analysis</a:t>
-            </a:r>
-            <a:r>
-              <a:rPr lang="pt-BR" sz="2800" b="1" dirty="0">
-                <a:solidFill>
-                  <a:srgbClr val="494949"/>
-                </a:solidFill>
-              </a:rPr>
-              <a:t> </a:t>
-            </a:r>
-            <a:r>
-              <a:rPr lang="pt-BR" sz="2800" b="1" dirty="0" err="1">
-                <a:solidFill>
-                  <a:srgbClr val="494949"/>
-                </a:solidFill>
-              </a:rPr>
-              <a:t>Results</a:t>
-            </a:r>
-            <a:r>
-              <a:rPr lang="pt-BR" sz="2800" b="1" dirty="0">
-                <a:solidFill>
-                  <a:srgbClr val="494949"/>
-                </a:solidFill>
-              </a:rPr>
-              <a:t> </a:t>
-            </a:r>
-            <a:r>
-              <a:rPr lang="pt-BR" sz="2800" b="1" dirty="0" err="1">
-                <a:solidFill>
-                  <a:srgbClr val="494949"/>
-                </a:solidFill>
-              </a:rPr>
-              <a:t>Interchange</a:t>
-            </a:r>
-            <a:r>
-              <a:rPr lang="pt-BR" sz="2800" b="1" dirty="0">
-                <a:solidFill>
-                  <a:srgbClr val="494949"/>
-                </a:solidFill>
-              </a:rPr>
-              <a:t> Format)</a:t>
-            </a:r>
-            <a:r>
-              <a:rPr lang="pt-BR" sz="2800" dirty="0">
-                <a:solidFill>
-                  <a:srgbClr val="494949"/>
-                </a:solidFill>
-              </a:rPr>
-              <a:t> e </a:t>
-            </a:r>
-            <a:r>
-              <a:rPr lang="pt-BR" sz="2800" b="1" dirty="0" err="1">
-                <a:solidFill>
-                  <a:srgbClr val="494949"/>
-                </a:solidFill>
-              </a:rPr>
-              <a:t>Markdown</a:t>
-            </a:r>
-            <a:endParaRPr lang="pt-BR" sz="2800" b="1" dirty="0">
-              <a:solidFill>
-                <a:srgbClr val="494949"/>
-              </a:solidFill>
-            </a:endParaRPr>
-          </a:p>
-          <a:p>
-            <a:pPr marL="571500" indent="-571500">
-              <a:buFont typeface="Arial" panose="020B0604020202020204" pitchFamily="34" charset="0"/>
-              <a:buChar char="•"/>
-            </a:pPr>
-            <a:endParaRPr lang="pt-BR" sz="2800" b="1" dirty="0">
-              <a:solidFill>
-                <a:srgbClr val="494949"/>
-              </a:solidFill>
-            </a:endParaRPr>
-          </a:p>
-          <a:p>
-            <a:pPr marL="571500" indent="-571500">
-              <a:buFont typeface="Arial" panose="020B0604020202020204" pitchFamily="34" charset="0"/>
-              <a:buChar char="•"/>
-            </a:pPr>
-            <a:r>
-              <a:rPr lang="pt-BR" sz="2800" b="1" dirty="0">
-                <a:solidFill>
-                  <a:srgbClr val="494949"/>
-                </a:solidFill>
-              </a:rPr>
-              <a:t>Site:</a:t>
-            </a:r>
-            <a:r>
-              <a:rPr lang="pt-BR" sz="2800" dirty="0">
-                <a:solidFill>
-                  <a:srgbClr val="494949"/>
-                </a:solidFill>
-              </a:rPr>
-              <a:t> </a:t>
-            </a:r>
-            <a:r>
-              <a:rPr lang="pt-BR" sz="2800" dirty="0">
-                <a:solidFill>
-                  <a:srgbClr val="494949"/>
-                </a:solidFill>
-                <a:hlinkClick r:id="rId3"/>
-              </a:rPr>
-              <a:t>https://docs.docker.com/scout/</a:t>
-            </a:r>
-            <a:endParaRPr lang="pt-BR" sz="2800" b="1" dirty="0">
-              <a:solidFill>
-                <a:srgbClr val="494949"/>
-              </a:solidFill>
-            </a:endParaRPr>
-          </a:p>
-        </p:txBody>
-      </p:sp>
-      <p:pic>
-        <p:nvPicPr>
-          <p:cNvPr id="8" name="Gráfico 7">
-            <a:extLst>
-              <a:ext uri="{FF2B5EF4-FFF2-40B4-BE49-F238E27FC236}">
-                <a16:creationId xmlns:a16="http://schemas.microsoft.com/office/drawing/2014/main" id="{6C936B1B-A555-A0A7-44E8-3D70F82CCAA4}"/>
-              </a:ext>
-            </a:extLst>
-          </p:cNvPr>
-          <p:cNvPicPr>
-            <a:picLocks noChangeAspect="1"/>
-          </p:cNvPicPr>
-          <p:nvPr/>
-        </p:nvPicPr>
-        <p:blipFill>
-          <a:blip r:embed="rId4">
-            <a:extLst>
-              <a:ext uri="{96DAC541-7B7A-43D3-8B79-37D633B846F1}">
-                <asvg:svgBlip xmlns:asvg="http://schemas.microsoft.com/office/drawing/2016/SVG/main" r:embed="rId5"/>
-              </a:ext>
-            </a:extLst>
-          </a:blip>
-          <a:stretch>
-            <a:fillRect/>
-          </a:stretch>
-        </p:blipFill>
-        <p:spPr>
-          <a:xfrm>
-            <a:off x="9647237" y="1668935"/>
-            <a:ext cx="2261276" cy="1785690"/>
-          </a:xfrm>
-          <a:prstGeom prst="rect">
-            <a:avLst/>
-          </a:prstGeom>
-        </p:spPr>
-      </p:pic>
-      <p:pic>
-        <p:nvPicPr>
-          <p:cNvPr id="9" name="Gráfico 8">
-            <a:extLst>
-              <a:ext uri="{FF2B5EF4-FFF2-40B4-BE49-F238E27FC236}">
-                <a16:creationId xmlns:a16="http://schemas.microsoft.com/office/drawing/2014/main" id="{96DB7876-85ED-E716-73BC-C166846CACC9}"/>
-              </a:ext>
-            </a:extLst>
-          </p:cNvPr>
-          <p:cNvPicPr>
-            <a:picLocks noChangeAspect="1"/>
-          </p:cNvPicPr>
-          <p:nvPr/>
-        </p:nvPicPr>
-        <p:blipFill>
-          <a:blip r:embed="rId6">
-            <a:extLst>
-              <a:ext uri="{96DAC541-7B7A-43D3-8B79-37D633B846F1}">
-                <asvg:svgBlip xmlns:asvg="http://schemas.microsoft.com/office/drawing/2016/SVG/main" r:embed="rId7"/>
-              </a:ext>
-            </a:extLst>
-          </a:blip>
-          <a:stretch>
-            <a:fillRect/>
-          </a:stretch>
-        </p:blipFill>
-        <p:spPr>
-          <a:xfrm>
-            <a:off x="8351837" y="3415237"/>
-            <a:ext cx="1892988" cy="1892988"/>
-          </a:xfrm>
-          <a:prstGeom prst="rect">
-            <a:avLst/>
-          </a:prstGeom>
-        </p:spPr>
-      </p:pic>
-    </p:spTree>
-    <p:extLst>
-      <p:ext uri="{BB962C8B-B14F-4D97-AF65-F5344CB8AC3E}">
-        <p14:creationId xmlns:p14="http://schemas.microsoft.com/office/powerpoint/2010/main" val="361359516"/>
       </p:ext>
     </p:extLst>
   </p:cSld>
@@ -35669,85 +35669,6 @@
 </file>
 
 <file path=customXml/item2.xml><?xml version="1.0" encoding="utf-8"?>
-<p:properties xmlns:p="http://schemas.microsoft.com/office/2006/metadata/properties" xmlns:xsi="http://www.w3.org/2001/XMLSchema-instance" xmlns:pc="http://schemas.microsoft.com/office/infopath/2007/PartnerControls">
-  <documentManagement>
-    <LikesCount xmlns="http://schemas.microsoft.com/sharepoint/v3" xsi:nil="true"/>
-    <d12e2661e9634d9aa98bbb375f31aced xmlns="01c77077-aee4-4b5f-bd4e-9cd40a6fff29">
-      <Terms xmlns="http://schemas.microsoft.com/office/infopath/2007/PartnerControls">
-        <TermInfo xmlns="http://schemas.microsoft.com/office/infopath/2007/PartnerControls">
-          <TermName xmlns="http://schemas.microsoft.com/office/infopath/2007/PartnerControls">Georgia World Congress Center</TermName>
-          <TermId xmlns="http://schemas.microsoft.com/office/infopath/2007/PartnerControls">ea0ece34-59a6-4d43-8d9e-d0f9e2a2f1ce</TermId>
-        </TermInfo>
-      </Terms>
-    </d12e2661e9634d9aa98bbb375f31aced>
-    <Event_x0020_Start_x0020_Date xmlns="01c77077-aee4-4b5f-bd4e-9cd40a6fff29">2016-09-25T07:00:00+00:00</Event_x0020_Start_x0020_Date>
-    <Target_x0020_Audiences xmlns="8ff673fc-3231-4e3a-893b-6d7f7cd32766" xsi:nil="true"/>
-    <iaa5f83406f94009a0f6a3e890699ff7 xmlns="01c77077-aee4-4b5f-bd4e-9cd40a6fff29">
-      <Terms xmlns="http://schemas.microsoft.com/office/infopath/2007/PartnerControls">
-        <TermInfo xmlns="http://schemas.microsoft.com/office/infopath/2007/PartnerControls">
-          <TermName xmlns="http://schemas.microsoft.com/office/infopath/2007/PartnerControls">Atlanta</TermName>
-          <TermId xmlns="http://schemas.microsoft.com/office/infopath/2007/PartnerControls">01fb9831-5840-48a0-a576-3e48f42baa53</TermId>
-        </TermInfo>
-      </Terms>
-    </iaa5f83406f94009a0f6a3e890699ff7>
-    <External_x0020_Speaker xmlns="01c77077-aee4-4b5f-bd4e-9cd40a6fff29">Michael Kelley</External_x0020_Speaker>
-    <m6878b9dd7994da4ba144f95347d99c6 xmlns="01c77077-aee4-4b5f-bd4e-9cd40a6fff29">
-      <Terms xmlns="http://schemas.microsoft.com/office/infopath/2007/PartnerControls"/>
-    </m6878b9dd7994da4ba144f95347d99c6>
-    <Presentation_x0020_Date xmlns="01c77077-aee4-4b5f-bd4e-9cd40a6fff29">2016-09-28T04:00:00+00:00</Presentation_x0020_Date>
-    <fc15c16204564de583b4c942b10d19ec xmlns="01c77077-aee4-4b5f-bd4e-9cd40a6fff29">
-      <Terms xmlns="http://schemas.microsoft.com/office/infopath/2007/PartnerControls"/>
-    </fc15c16204564de583b4c942b10d19ec>
-    <mb2e01f7e2d8413988e28e59aa226eec xmlns="01c77077-aee4-4b5f-bd4e-9cd40a6fff29">
-      <Terms xmlns="http://schemas.microsoft.com/office/infopath/2007/PartnerControls">
-        <TermInfo xmlns="http://schemas.microsoft.com/office/infopath/2007/PartnerControls">
-          <TermName xmlns="http://schemas.microsoft.com/office/infopath/2007/PartnerControls">Microsoft Ignite</TermName>
-          <TermId xmlns="http://schemas.microsoft.com/office/infopath/2007/PartnerControls">9323c522-fe4b-4922-816b-10a1920d7afb</TermId>
-        </TermInfo>
-      </Terms>
-    </mb2e01f7e2d8413988e28e59aa226eec>
-    <MS_x0020_Content_x0020_Owner xmlns="01c77077-aee4-4b5f-bd4e-9cd40a6fff29">
-      <UserInfo>
-        <DisplayName/>
-        <AccountId xsi:nil="true"/>
-        <AccountType/>
-      </UserInfo>
-    </MS_x0020_Content_x0020_Owner>
-    <Session_x0020_Code xmlns="01c77077-aee4-4b5f-bd4e-9cd40a6fff29">BRK2158</Session_x0020_Code>
-    <Event_x0020_End_x0020_Date xmlns="01c77077-aee4-4b5f-bd4e-9cd40a6fff29">2016-09-30T07:00:00+00:00</Event_x0020_End_x0020_Date>
-    <o1010385baed4da9b5076a6aa651d1e5 xmlns="01c77077-aee4-4b5f-bd4e-9cd40a6fff29">
-      <Terms xmlns="http://schemas.microsoft.com/office/infopath/2007/PartnerControls"/>
-    </o1010385baed4da9b5076a6aa651d1e5>
-    <kc6d1bd9a46e4e5fbbbf99ca3de7a092 xmlns="01c77077-aee4-4b5f-bd4e-9cd40a6fff29">
-      <Terms xmlns="http://schemas.microsoft.com/office/infopath/2007/PartnerControls"/>
-    </kc6d1bd9a46e4e5fbbbf99ca3de7a092>
-    <MS_x0020_Speaker xmlns="01c77077-aee4-4b5f-bd4e-9cd40a6fff29">
-      <UserInfo>
-        <DisplayName/>
-        <AccountId xsi:nil="true"/>
-        <AccountType/>
-      </UserInfo>
-    </MS_x0020_Speaker>
-    <TaxKeywordTaxHTField xmlns="230e9df3-be65-4c73-a93b-d1236ebd677e">
-      <Terms xmlns="http://schemas.microsoft.com/office/infopath/2007/PartnerControls">
-        <TermInfo xmlns="http://schemas.microsoft.com/office/infopath/2007/PartnerControls">
-          <TermName xmlns="http://schemas.microsoft.com/office/infopath/2007/PartnerControls">Microsoft Ignite 2016</TermName>
-          <TermId xmlns="http://schemas.microsoft.com/office/infopath/2007/PartnerControls">e2f6a88c-86f9-4b25-a2af-b5c3afa8c82a</TermId>
-        </TermInfo>
-      </Terms>
-    </TaxKeywordTaxHTField>
-    <TaxCatchAll xmlns="230e9df3-be65-4c73-a93b-d1236ebd677e">
-      <Value>174</Value>
-      <Value>177</Value>
-      <Value>176</Value>
-      <Value>175</Value>
-    </TaxCatchAll>
-    <NumberofDownloads xmlns="230e9df3-be65-4c73-a93b-d1236ebd677e" xsi:nil="true"/>
-  </documentManagement>
-</p:properties>
-</file>
-
-<file path=customXml/item3.xml><?xml version="1.0" encoding="utf-8"?>
 <ct:contentTypeSchema xmlns:ct="http://schemas.microsoft.com/office/2006/metadata/contentType" xmlns:ma="http://schemas.microsoft.com/office/2006/metadata/properties/metaAttributes" ct:_="" ma:_="" ma:contentTypeName="PresentationsDoc" ma:contentTypeID="0x01010031DCF4CA090F824DB1E4CCBB6B9D64EA00101E8AAD132F8F4D96340D6376C8BB3E" ma:contentTypeVersion="22" ma:contentTypeDescription="" ma:contentTypeScope="" ma:versionID="8add498658ef06bbcf3bc1f2c97d938c">
   <xsd:schema xmlns:xsd="http://www.w3.org/2001/XMLSchema" xmlns:xs="http://www.w3.org/2001/XMLSchema" xmlns:p="http://schemas.microsoft.com/office/2006/metadata/properties" xmlns:ns1="http://schemas.microsoft.com/sharepoint/v3" xmlns:ns2="01c77077-aee4-4b5f-bd4e-9cd40a6fff29" xmlns:ns3="230e9df3-be65-4c73-a93b-d1236ebd677e" xmlns:ns5="8ff673fc-3231-4e3a-893b-6d7f7cd32766" targetNamespace="http://schemas.microsoft.com/office/2006/metadata/properties" ma:root="true" ma:fieldsID="a14070d067e341e7ddc7e27ecc4a2d88" ns1:_="" ns2:_="" ns3:_="" ns5:_="">
     <xsd:import namespace="http://schemas.microsoft.com/sharepoint/v3"/>
@@ -36104,6 +36025,85 @@
 </ct:contentTypeSchema>
 </file>
 
+<file path=customXml/item3.xml><?xml version="1.0" encoding="utf-8"?>
+<p:properties xmlns:p="http://schemas.microsoft.com/office/2006/metadata/properties" xmlns:xsi="http://www.w3.org/2001/XMLSchema-instance" xmlns:pc="http://schemas.microsoft.com/office/infopath/2007/PartnerControls">
+  <documentManagement>
+    <LikesCount xmlns="http://schemas.microsoft.com/sharepoint/v3" xsi:nil="true"/>
+    <d12e2661e9634d9aa98bbb375f31aced xmlns="01c77077-aee4-4b5f-bd4e-9cd40a6fff29">
+      <Terms xmlns="http://schemas.microsoft.com/office/infopath/2007/PartnerControls">
+        <TermInfo xmlns="http://schemas.microsoft.com/office/infopath/2007/PartnerControls">
+          <TermName xmlns="http://schemas.microsoft.com/office/infopath/2007/PartnerControls">Georgia World Congress Center</TermName>
+          <TermId xmlns="http://schemas.microsoft.com/office/infopath/2007/PartnerControls">ea0ece34-59a6-4d43-8d9e-d0f9e2a2f1ce</TermId>
+        </TermInfo>
+      </Terms>
+    </d12e2661e9634d9aa98bbb375f31aced>
+    <Event_x0020_Start_x0020_Date xmlns="01c77077-aee4-4b5f-bd4e-9cd40a6fff29">2016-09-25T07:00:00+00:00</Event_x0020_Start_x0020_Date>
+    <Target_x0020_Audiences xmlns="8ff673fc-3231-4e3a-893b-6d7f7cd32766" xsi:nil="true"/>
+    <iaa5f83406f94009a0f6a3e890699ff7 xmlns="01c77077-aee4-4b5f-bd4e-9cd40a6fff29">
+      <Terms xmlns="http://schemas.microsoft.com/office/infopath/2007/PartnerControls">
+        <TermInfo xmlns="http://schemas.microsoft.com/office/infopath/2007/PartnerControls">
+          <TermName xmlns="http://schemas.microsoft.com/office/infopath/2007/PartnerControls">Atlanta</TermName>
+          <TermId xmlns="http://schemas.microsoft.com/office/infopath/2007/PartnerControls">01fb9831-5840-48a0-a576-3e48f42baa53</TermId>
+        </TermInfo>
+      </Terms>
+    </iaa5f83406f94009a0f6a3e890699ff7>
+    <External_x0020_Speaker xmlns="01c77077-aee4-4b5f-bd4e-9cd40a6fff29">Michael Kelley</External_x0020_Speaker>
+    <m6878b9dd7994da4ba144f95347d99c6 xmlns="01c77077-aee4-4b5f-bd4e-9cd40a6fff29">
+      <Terms xmlns="http://schemas.microsoft.com/office/infopath/2007/PartnerControls"/>
+    </m6878b9dd7994da4ba144f95347d99c6>
+    <Presentation_x0020_Date xmlns="01c77077-aee4-4b5f-bd4e-9cd40a6fff29">2016-09-28T04:00:00+00:00</Presentation_x0020_Date>
+    <fc15c16204564de583b4c942b10d19ec xmlns="01c77077-aee4-4b5f-bd4e-9cd40a6fff29">
+      <Terms xmlns="http://schemas.microsoft.com/office/infopath/2007/PartnerControls"/>
+    </fc15c16204564de583b4c942b10d19ec>
+    <mb2e01f7e2d8413988e28e59aa226eec xmlns="01c77077-aee4-4b5f-bd4e-9cd40a6fff29">
+      <Terms xmlns="http://schemas.microsoft.com/office/infopath/2007/PartnerControls">
+        <TermInfo xmlns="http://schemas.microsoft.com/office/infopath/2007/PartnerControls">
+          <TermName xmlns="http://schemas.microsoft.com/office/infopath/2007/PartnerControls">Microsoft Ignite</TermName>
+          <TermId xmlns="http://schemas.microsoft.com/office/infopath/2007/PartnerControls">9323c522-fe4b-4922-816b-10a1920d7afb</TermId>
+        </TermInfo>
+      </Terms>
+    </mb2e01f7e2d8413988e28e59aa226eec>
+    <MS_x0020_Content_x0020_Owner xmlns="01c77077-aee4-4b5f-bd4e-9cd40a6fff29">
+      <UserInfo>
+        <DisplayName/>
+        <AccountId xsi:nil="true"/>
+        <AccountType/>
+      </UserInfo>
+    </MS_x0020_Content_x0020_Owner>
+    <Session_x0020_Code xmlns="01c77077-aee4-4b5f-bd4e-9cd40a6fff29">BRK2158</Session_x0020_Code>
+    <Event_x0020_End_x0020_Date xmlns="01c77077-aee4-4b5f-bd4e-9cd40a6fff29">2016-09-30T07:00:00+00:00</Event_x0020_End_x0020_Date>
+    <o1010385baed4da9b5076a6aa651d1e5 xmlns="01c77077-aee4-4b5f-bd4e-9cd40a6fff29">
+      <Terms xmlns="http://schemas.microsoft.com/office/infopath/2007/PartnerControls"/>
+    </o1010385baed4da9b5076a6aa651d1e5>
+    <kc6d1bd9a46e4e5fbbbf99ca3de7a092 xmlns="01c77077-aee4-4b5f-bd4e-9cd40a6fff29">
+      <Terms xmlns="http://schemas.microsoft.com/office/infopath/2007/PartnerControls"/>
+    </kc6d1bd9a46e4e5fbbbf99ca3de7a092>
+    <MS_x0020_Speaker xmlns="01c77077-aee4-4b5f-bd4e-9cd40a6fff29">
+      <UserInfo>
+        <DisplayName/>
+        <AccountId xsi:nil="true"/>
+        <AccountType/>
+      </UserInfo>
+    </MS_x0020_Speaker>
+    <TaxKeywordTaxHTField xmlns="230e9df3-be65-4c73-a93b-d1236ebd677e">
+      <Terms xmlns="http://schemas.microsoft.com/office/infopath/2007/PartnerControls">
+        <TermInfo xmlns="http://schemas.microsoft.com/office/infopath/2007/PartnerControls">
+          <TermName xmlns="http://schemas.microsoft.com/office/infopath/2007/PartnerControls">Microsoft Ignite 2016</TermName>
+          <TermId xmlns="http://schemas.microsoft.com/office/infopath/2007/PartnerControls">e2f6a88c-86f9-4b25-a2af-b5c3afa8c82a</TermId>
+        </TermInfo>
+      </Terms>
+    </TaxKeywordTaxHTField>
+    <TaxCatchAll xmlns="230e9df3-be65-4c73-a93b-d1236ebd677e">
+      <Value>174</Value>
+      <Value>177</Value>
+      <Value>176</Value>
+      <Value>175</Value>
+    </TaxCatchAll>
+    <NumberofDownloads xmlns="230e9df3-be65-4c73-a93b-d1236ebd677e" xsi:nil="true"/>
+  </documentManagement>
+</p:properties>
+</file>
+
 <file path=customXml/itemProps1.xml><?xml version="1.0" encoding="utf-8"?>
 <ds:datastoreItem xmlns:ds="http://schemas.openxmlformats.org/officeDocument/2006/customXml" ds:itemID="{758FDAC0-319D-4A54-8D8E-1D42CB1F8004}">
   <ds:schemaRefs>
@@ -36113,25 +36113,6 @@
 </file>
 
 <file path=customXml/itemProps2.xml><?xml version="1.0" encoding="utf-8"?>
-<ds:datastoreItem xmlns:ds="http://schemas.openxmlformats.org/officeDocument/2006/customXml" ds:itemID="{F990F116-B58F-4255-B05B-DA3808E0E5C6}">
-  <ds:schemaRefs>
-    <ds:schemaRef ds:uri="http://purl.org/dc/elements/1.1/"/>
-    <ds:schemaRef ds:uri="http://purl.org/dc/dcmitype/"/>
-    <ds:schemaRef ds:uri="230e9df3-be65-4c73-a93b-d1236ebd677e"/>
-    <ds:schemaRef ds:uri="http://schemas.microsoft.com/office/infopath/2007/PartnerControls"/>
-    <ds:schemaRef ds:uri="http://schemas.microsoft.com/office/2006/metadata/properties"/>
-    <ds:schemaRef ds:uri="01c77077-aee4-4b5f-bd4e-9cd40a6fff29"/>
-    <ds:schemaRef ds:uri="http://schemas.microsoft.com/sharepoint/v3"/>
-    <ds:schemaRef ds:uri="8ff673fc-3231-4e3a-893b-6d7f7cd32766"/>
-    <ds:schemaRef ds:uri="http://schemas.microsoft.com/office/2006/documentManagement/types"/>
-    <ds:schemaRef ds:uri="http://purl.org/dc/terms/"/>
-    <ds:schemaRef ds:uri="http://schemas.openxmlformats.org/package/2006/metadata/core-properties"/>
-    <ds:schemaRef ds:uri="http://www.w3.org/XML/1998/namespace"/>
-  </ds:schemaRefs>
-</ds:datastoreItem>
-</file>
-
-<file path=customXml/itemProps3.xml><?xml version="1.0" encoding="utf-8"?>
 <ds:datastoreItem xmlns:ds="http://schemas.openxmlformats.org/officeDocument/2006/customXml" ds:itemID="{6D8F288A-5131-4E80-AB86-F10FC037383B}">
   <ds:schemaRefs>
     <ds:schemaRef ds:uri="http://schemas.microsoft.com/office/2006/metadata/contentType"/>
@@ -36150,4 +36131,23 @@
     <ds:schemaRef ds:uri="http://schemas.microsoft.com/internal/obd"/>
   </ds:schemaRefs>
 </ds:datastoreItem>
+</file>
+
+<file path=customXml/itemProps3.xml><?xml version="1.0" encoding="utf-8"?>
+<ds:datastoreItem xmlns:ds="http://schemas.openxmlformats.org/officeDocument/2006/customXml" ds:itemID="{F990F116-B58F-4255-B05B-DA3808E0E5C6}">
+  <ds:schemaRefs>
+    <ds:schemaRef ds:uri="http://purl.org/dc/elements/1.1/"/>
+    <ds:schemaRef ds:uri="http://purl.org/dc/dcmitype/"/>
+    <ds:schemaRef ds:uri="230e9df3-be65-4c73-a93b-d1236ebd677e"/>
+    <ds:schemaRef ds:uri="http://schemas.microsoft.com/office/infopath/2007/PartnerControls"/>
+    <ds:schemaRef ds:uri="http://schemas.microsoft.com/office/2006/metadata/properties"/>
+    <ds:schemaRef ds:uri="01c77077-aee4-4b5f-bd4e-9cd40a6fff29"/>
+    <ds:schemaRef ds:uri="http://schemas.microsoft.com/sharepoint/v3"/>
+    <ds:schemaRef ds:uri="8ff673fc-3231-4e3a-893b-6d7f7cd32766"/>
+    <ds:schemaRef ds:uri="http://schemas.microsoft.com/office/2006/documentManagement/types"/>
+    <ds:schemaRef ds:uri="http://purl.org/dc/terms/"/>
+    <ds:schemaRef ds:uri="http://schemas.openxmlformats.org/package/2006/metadata/core-properties"/>
+    <ds:schemaRef ds:uri="http://www.w3.org/XML/1998/namespace"/>
+  </ds:schemaRefs>
+</ds:datastoreItem>
 </file>
--- a/slides/Docker Kubernetes Novembro-2024.pptx
+++ b/slides/Docker Kubernetes Novembro-2024.pptx
@@ -24,8 +24,8 @@
     <p:sldId id="1782" r:id="rId15"/>
     <p:sldId id="1767" r:id="rId16"/>
     <p:sldId id="1779" r:id="rId17"/>
-    <p:sldId id="1708" r:id="rId18"/>
-    <p:sldId id="1706" r:id="rId19"/>
+    <p:sldId id="1706" r:id="rId18"/>
+    <p:sldId id="1708" r:id="rId19"/>
     <p:sldId id="1777" r:id="rId20"/>
     <p:sldId id="1778" r:id="rId21"/>
     <p:sldId id="1755" r:id="rId22"/>
@@ -145,8 +145,8 @@
             <p14:sldId id="1782"/>
             <p14:sldId id="1767"/>
             <p14:sldId id="1779"/>
+            <p14:sldId id="1706"/>
             <p14:sldId id="1708"/>
-            <p14:sldId id="1706"/>
             <p14:sldId id="1777"/>
             <p14:sldId id="1778"/>
             <p14:sldId id="1755"/>
@@ -291,7 +291,7 @@
               <a:rPr lang="en-US" smtClean="0">
                 <a:latin typeface="Segoe UI" pitchFamily="34" charset="0"/>
               </a:rPr>
-              <a:t>11/28/2024 2:43 PM</a:t>
+              <a:t>11/28/2024 4:20 PM</a:t>
             </a:fld>
             <a:endParaRPr lang="en-US" dirty="0">
               <a:latin typeface="Segoe UI" pitchFamily="34" charset="0"/>
@@ -572,7 +572,7 @@
           <a:p>
             <a:fld id="{38EEC551-8CDA-4EB6-89BB-2A86C9F091C8}" type="datetime8">
               <a:rPr lang="en-US" smtClean="0"/>
-              <a:t>11/28/2024 2:42 PM</a:t>
+              <a:t>11/28/2024 3:04 PM</a:t>
             </a:fld>
             <a:endParaRPr lang="en-US" dirty="0"/>
           </a:p>
@@ -959,7 +959,7 @@
           <a:p>
             <a:fld id="{38EEC551-8CDA-4EB6-89BB-2A86C9F091C8}" type="datetime8">
               <a:rPr lang="en-US" smtClean="0"/>
-              <a:t>11/28/2024 2:42 PM</a:t>
+              <a:t>11/28/2024 3:04 PM</a:t>
             </a:fld>
             <a:endParaRPr lang="en-US" dirty="0"/>
           </a:p>
@@ -1180,7 +1180,7 @@
           <a:p>
             <a:fld id="{38EEC551-8CDA-4EB6-89BB-2A86C9F091C8}" type="datetime8">
               <a:rPr lang="en-US" smtClean="0"/>
-              <a:t>11/28/2024 2:42 PM</a:t>
+              <a:t>11/28/2024 3:04 PM</a:t>
             </a:fld>
             <a:endParaRPr lang="en-US" dirty="0"/>
           </a:p>
@@ -1371,7 +1371,7 @@
           <a:p>
             <a:fld id="{38EEC551-8CDA-4EB6-89BB-2A86C9F091C8}" type="datetime8">
               <a:rPr lang="en-US" smtClean="0"/>
-              <a:t>11/28/2024 2:42 PM</a:t>
+              <a:t>11/28/2024 3:04 PM</a:t>
             </a:fld>
             <a:endParaRPr lang="en-US" dirty="0"/>
           </a:p>
@@ -1404,7 +1404,7 @@
     </p:spTree>
     <p:extLst>
       <p:ext uri="{BB962C8B-B14F-4D97-AF65-F5344CB8AC3E}">
-        <p14:creationId xmlns:p14="http://schemas.microsoft.com/office/powerpoint/2010/main" val="2031934037"/>
+        <p14:creationId xmlns:p14="http://schemas.microsoft.com/office/powerpoint/2010/main" val="966838897"/>
       </p:ext>
     </p:extLst>
   </p:cSld>
@@ -1556,7 +1556,7 @@
           <a:p>
             <a:fld id="{38EEC551-8CDA-4EB6-89BB-2A86C9F091C8}" type="datetime8">
               <a:rPr lang="en-US" smtClean="0"/>
-              <a:t>11/28/2024 2:42 PM</a:t>
+              <a:t>11/28/2024 3:04 PM</a:t>
             </a:fld>
             <a:endParaRPr lang="en-US" dirty="0"/>
           </a:p>
@@ -1589,7 +1589,7 @@
     </p:spTree>
     <p:extLst>
       <p:ext uri="{BB962C8B-B14F-4D97-AF65-F5344CB8AC3E}">
-        <p14:creationId xmlns:p14="http://schemas.microsoft.com/office/powerpoint/2010/main" val="966838897"/>
+        <p14:creationId xmlns:p14="http://schemas.microsoft.com/office/powerpoint/2010/main" val="2031934037"/>
       </p:ext>
     </p:extLst>
   </p:cSld>
@@ -1777,7 +1777,7 @@
           <a:p>
             <a:fld id="{38EEC551-8CDA-4EB6-89BB-2A86C9F091C8}" type="datetime8">
               <a:rPr lang="en-US" smtClean="0"/>
-              <a:t>11/28/2024 2:42 PM</a:t>
+              <a:t>11/28/2024 3:04 PM</a:t>
             </a:fld>
             <a:endParaRPr lang="en-US" dirty="0"/>
           </a:p>
@@ -2004,7 +2004,7 @@
           <a:p>
             <a:fld id="{38EEC551-8CDA-4EB6-89BB-2A86C9F091C8}" type="datetime8">
               <a:rPr lang="en-US" smtClean="0"/>
-              <a:t>11/28/2024 2:42 PM</a:t>
+              <a:t>11/28/2024 3:04 PM</a:t>
             </a:fld>
             <a:endParaRPr lang="en-US" dirty="0"/>
           </a:p>
@@ -2195,7 +2195,7 @@
           <a:p>
             <a:fld id="{38EEC551-8CDA-4EB6-89BB-2A86C9F091C8}" type="datetime8">
               <a:rPr lang="en-US" smtClean="0"/>
-              <a:t>11/28/2024 2:42 PM</a:t>
+              <a:t>11/28/2024 3:04 PM</a:t>
             </a:fld>
             <a:endParaRPr lang="en-US" dirty="0"/>
           </a:p>
@@ -2416,7 +2416,7 @@
           <a:p>
             <a:fld id="{38EEC551-8CDA-4EB6-89BB-2A86C9F091C8}" type="datetime8">
               <a:rPr lang="en-US" smtClean="0"/>
-              <a:t>11/28/2024 2:42 PM</a:t>
+              <a:t>11/28/2024 3:04 PM</a:t>
             </a:fld>
             <a:endParaRPr lang="en-US" dirty="0"/>
           </a:p>
@@ -2643,7 +2643,7 @@
           <a:p>
             <a:fld id="{38EEC551-8CDA-4EB6-89BB-2A86C9F091C8}" type="datetime8">
               <a:rPr lang="en-US" smtClean="0"/>
-              <a:t>11/28/2024 2:42 PM</a:t>
+              <a:t>11/28/2024 3:04 PM</a:t>
             </a:fld>
             <a:endParaRPr lang="en-US" dirty="0"/>
           </a:p>
@@ -2927,7 +2927,7 @@
                 <a:tabLst/>
                 <a:defRPr/>
               </a:pPr>
-              <a:t>11/28/2024 2:42 PM</a:t>
+              <a:t>11/28/2024 3:04 PM</a:t>
             </a:fld>
             <a:endParaRPr kumimoji="0" lang="en-US" sz="1800" b="0" i="0" u="none" strike="noStrike" kern="0" cap="none" spc="0" normalizeH="0" baseline="0" noProof="0">
               <a:ln>
@@ -3515,7 +3515,7 @@
           <a:p>
             <a:fld id="{38EEC551-8CDA-4EB6-89BB-2A86C9F091C8}" type="datetime8">
               <a:rPr lang="en-US" smtClean="0"/>
-              <a:t>11/28/2024 2:42 PM</a:t>
+              <a:t>11/28/2024 3:04 PM</a:t>
             </a:fld>
             <a:endParaRPr lang="en-US" dirty="0"/>
           </a:p>
@@ -3700,7 +3700,7 @@
           <a:p>
             <a:fld id="{38EEC551-8CDA-4EB6-89BB-2A86C9F091C8}" type="datetime8">
               <a:rPr lang="en-US" smtClean="0"/>
-              <a:t>11/28/2024 2:42 PM</a:t>
+              <a:t>11/28/2024 3:04 PM</a:t>
             </a:fld>
             <a:endParaRPr lang="en-US" dirty="0"/>
           </a:p>
@@ -3885,7 +3885,7 @@
           <a:p>
             <a:fld id="{38EEC551-8CDA-4EB6-89BB-2A86C9F091C8}" type="datetime8">
               <a:rPr lang="en-US" smtClean="0"/>
-              <a:t>11/28/2024 2:42 PM</a:t>
+              <a:t>11/28/2024 3:04 PM</a:t>
             </a:fld>
             <a:endParaRPr lang="en-US" dirty="0"/>
           </a:p>
@@ -4106,7 +4106,7 @@
           <a:p>
             <a:fld id="{38EEC551-8CDA-4EB6-89BB-2A86C9F091C8}" type="datetime8">
               <a:rPr lang="en-US" smtClean="0"/>
-              <a:t>11/28/2024 2:42 PM</a:t>
+              <a:t>11/28/2024 3:04 PM</a:t>
             </a:fld>
             <a:endParaRPr lang="en-US" dirty="0"/>
           </a:p>
@@ -28611,302 +28611,6 @@
           <a:lstStyle/>
           <a:p>
             <a:r>
-              <a:rPr lang="pt-BR" sz="4000" dirty="0">
-                <a:solidFill>
-                  <a:schemeClr val="accent3">
-                    <a:lumMod val="75000"/>
-                  </a:schemeClr>
-                </a:solidFill>
-              </a:rPr>
-              <a:t>k9s: monitoramento tempo real na linha de comando</a:t>
-            </a:r>
-          </a:p>
-        </p:txBody>
-      </p:sp>
-      <p:sp>
-        <p:nvSpPr>
-          <p:cNvPr id="3" name="Espaço Reservado para Texto 2">
-            <a:extLst>
-              <a:ext uri="{FF2B5EF4-FFF2-40B4-BE49-F238E27FC236}">
-                <a16:creationId xmlns:a16="http://schemas.microsoft.com/office/drawing/2014/main" id="{10F01629-F01C-4AE7-B7DB-6087E6CFCFAC}"/>
-              </a:ext>
-            </a:extLst>
-          </p:cNvPr>
-          <p:cNvSpPr>
-            <a:spLocks noGrp="1"/>
-          </p:cNvSpPr>
-          <p:nvPr>
-            <p:ph type="body" sz="quarter" idx="10"/>
-          </p:nvPr>
-        </p:nvSpPr>
-        <p:spPr>
-          <a:xfrm>
-            <a:off x="274639" y="1744662"/>
-            <a:ext cx="7008034" cy="5650778"/>
-          </a:xfrm>
-        </p:spPr>
-        <p:txBody>
-          <a:bodyPr/>
-          <a:lstStyle/>
-          <a:p>
-            <a:pPr marL="571500" indent="-571500">
-              <a:buFont typeface="Arial" panose="020B0604020202020204" pitchFamily="34" charset="0"/>
-              <a:buChar char="•"/>
-            </a:pPr>
-            <a:r>
-              <a:rPr lang="pt-BR" sz="3200" dirty="0">
-                <a:solidFill>
-                  <a:srgbClr val="494949"/>
-                </a:solidFill>
-              </a:rPr>
-              <a:t>Multiplataforma (</a:t>
-            </a:r>
-            <a:r>
-              <a:rPr lang="pt-BR" sz="3200" b="1" dirty="0">
-                <a:solidFill>
-                  <a:srgbClr val="494949"/>
-                </a:solidFill>
-              </a:rPr>
-              <a:t>Windows, Linux, </a:t>
-            </a:r>
-            <a:r>
-              <a:rPr lang="pt-BR" sz="3200" b="1" dirty="0" err="1">
-                <a:solidFill>
-                  <a:srgbClr val="494949"/>
-                </a:solidFill>
-              </a:rPr>
-              <a:t>macOS</a:t>
-            </a:r>
-            <a:r>
-              <a:rPr lang="pt-BR" sz="3200" dirty="0">
-                <a:solidFill>
-                  <a:srgbClr val="494949"/>
-                </a:solidFill>
-              </a:rPr>
-              <a:t>)</a:t>
-            </a:r>
-          </a:p>
-          <a:p>
-            <a:pPr marL="571500" indent="-571500">
-              <a:buFont typeface="Arial" panose="020B0604020202020204" pitchFamily="34" charset="0"/>
-              <a:buChar char="•"/>
-            </a:pPr>
-            <a:endParaRPr lang="pt-BR" sz="3200" dirty="0">
-              <a:solidFill>
-                <a:srgbClr val="494949"/>
-              </a:solidFill>
-            </a:endParaRPr>
-          </a:p>
-          <a:p>
-            <a:pPr marL="571500" indent="-571500">
-              <a:buFont typeface="Arial" panose="020B0604020202020204" pitchFamily="34" charset="0"/>
-              <a:buChar char="•"/>
-            </a:pPr>
-            <a:r>
-              <a:rPr lang="pt-BR" sz="3200" dirty="0">
-                <a:solidFill>
-                  <a:srgbClr val="494949"/>
-                </a:solidFill>
-              </a:rPr>
-              <a:t>Visualização em </a:t>
-            </a:r>
-            <a:r>
-              <a:rPr lang="pt-BR" sz="3200" b="1" dirty="0">
-                <a:solidFill>
-                  <a:srgbClr val="494949"/>
-                </a:solidFill>
-              </a:rPr>
-              <a:t>tempo real</a:t>
-            </a:r>
-            <a:r>
-              <a:rPr lang="pt-BR" sz="3200" dirty="0">
-                <a:solidFill>
-                  <a:srgbClr val="494949"/>
-                </a:solidFill>
-              </a:rPr>
-              <a:t> de elementos de um cluster (</a:t>
-            </a:r>
-            <a:r>
-              <a:rPr lang="pt-BR" sz="3200" b="1" dirty="0" err="1">
-                <a:solidFill>
-                  <a:srgbClr val="494949"/>
-                </a:solidFill>
-              </a:rPr>
-              <a:t>Deployments</a:t>
-            </a:r>
-            <a:r>
-              <a:rPr lang="pt-BR" sz="3200" b="1" dirty="0">
-                <a:solidFill>
-                  <a:srgbClr val="494949"/>
-                </a:solidFill>
-              </a:rPr>
-              <a:t>, </a:t>
-            </a:r>
-            <a:r>
-              <a:rPr lang="pt-BR" sz="3200" b="1" dirty="0" err="1">
-                <a:solidFill>
-                  <a:srgbClr val="494949"/>
-                </a:solidFill>
-              </a:rPr>
-              <a:t>Pods</a:t>
-            </a:r>
-            <a:r>
-              <a:rPr lang="pt-BR" sz="3200" b="1" dirty="0">
-                <a:solidFill>
-                  <a:srgbClr val="494949"/>
-                </a:solidFill>
-              </a:rPr>
-              <a:t>, Nodes, logs gerados...)</a:t>
-            </a:r>
-          </a:p>
-          <a:p>
-            <a:pPr marL="571500" indent="-571500">
-              <a:buFont typeface="Arial" panose="020B0604020202020204" pitchFamily="34" charset="0"/>
-              <a:buChar char="•"/>
-            </a:pPr>
-            <a:endParaRPr lang="pt-BR" sz="3200" b="1" dirty="0">
-              <a:solidFill>
-                <a:srgbClr val="494949"/>
-              </a:solidFill>
-            </a:endParaRPr>
-          </a:p>
-          <a:p>
-            <a:pPr marL="571500" indent="-571500">
-              <a:buFont typeface="Arial" panose="020B0604020202020204" pitchFamily="34" charset="0"/>
-              <a:buChar char="•"/>
-            </a:pPr>
-            <a:r>
-              <a:rPr lang="pt-BR" sz="3200" b="1" dirty="0">
-                <a:solidFill>
-                  <a:srgbClr val="494949"/>
-                </a:solidFill>
-              </a:rPr>
-              <a:t>Site: </a:t>
-            </a:r>
-            <a:r>
-              <a:rPr lang="pt-BR" sz="3200" dirty="0">
-                <a:solidFill>
-                  <a:srgbClr val="494949"/>
-                </a:solidFill>
-                <a:hlinkClick r:id="rId3"/>
-              </a:rPr>
-              <a:t>https://k9scli.io/</a:t>
-            </a:r>
-            <a:endParaRPr lang="pt-BR" sz="3200" dirty="0">
-              <a:solidFill>
-                <a:srgbClr val="494949"/>
-              </a:solidFill>
-            </a:endParaRPr>
-          </a:p>
-          <a:p>
-            <a:pPr marL="571500" indent="-571500">
-              <a:buFont typeface="Arial" panose="020B0604020202020204" pitchFamily="34" charset="0"/>
-              <a:buChar char="•"/>
-            </a:pPr>
-            <a:endParaRPr lang="pt-BR" sz="3200" dirty="0">
-              <a:solidFill>
-                <a:srgbClr val="494949"/>
-              </a:solidFill>
-            </a:endParaRPr>
-          </a:p>
-          <a:p>
-            <a:pPr marL="571500" indent="-571500">
-              <a:buFont typeface="Arial" panose="020B0604020202020204" pitchFamily="34" charset="0"/>
-              <a:buChar char="•"/>
-            </a:pPr>
-            <a:endParaRPr lang="pt-BR" sz="3200" dirty="0">
-              <a:solidFill>
-                <a:srgbClr val="494949"/>
-              </a:solidFill>
-            </a:endParaRPr>
-          </a:p>
-        </p:txBody>
-      </p:sp>
-      <p:pic>
-        <p:nvPicPr>
-          <p:cNvPr id="6" name="Imagem 5" descr="Ícone&#10;&#10;Descrição gerada automaticamente">
-            <a:extLst>
-              <a:ext uri="{FF2B5EF4-FFF2-40B4-BE49-F238E27FC236}">
-                <a16:creationId xmlns:a16="http://schemas.microsoft.com/office/drawing/2014/main" id="{6346F89B-FF07-92FE-8EB4-8144A3BC0AE1}"/>
-              </a:ext>
-            </a:extLst>
-          </p:cNvPr>
-          <p:cNvPicPr>
-            <a:picLocks noChangeAspect="1"/>
-          </p:cNvPicPr>
-          <p:nvPr/>
-        </p:nvPicPr>
-        <p:blipFill>
-          <a:blip r:embed="rId4"/>
-          <a:stretch>
-            <a:fillRect/>
-          </a:stretch>
-        </p:blipFill>
-        <p:spPr>
-          <a:xfrm>
-            <a:off x="7437437" y="2392361"/>
-            <a:ext cx="4419604" cy="2209802"/>
-          </a:xfrm>
-          <a:prstGeom prst="rect">
-            <a:avLst/>
-          </a:prstGeom>
-        </p:spPr>
-      </p:pic>
-    </p:spTree>
-    <p:extLst>
-      <p:ext uri="{BB962C8B-B14F-4D97-AF65-F5344CB8AC3E}">
-        <p14:creationId xmlns:p14="http://schemas.microsoft.com/office/powerpoint/2010/main" val="2168114670"/>
-      </p:ext>
-    </p:extLst>
-  </p:cSld>
-  <p:clrMapOvr>
-    <a:masterClrMapping/>
-  </p:clrMapOvr>
-  <p:transition>
-    <p:fade/>
-  </p:transition>
-</p:sld>
-</file>
-
-<file path=ppt/slides/slide12.xml><?xml version="1.0" encoding="utf-8"?>
-<p:sld xmlns:a="http://schemas.openxmlformats.org/drawingml/2006/main" xmlns:r="http://schemas.openxmlformats.org/officeDocument/2006/relationships" xmlns:p="http://schemas.openxmlformats.org/presentationml/2006/main">
-  <p:cSld>
-    <p:spTree>
-      <p:nvGrpSpPr>
-        <p:cNvPr id="1" name=""/>
-        <p:cNvGrpSpPr/>
-        <p:nvPr/>
-      </p:nvGrpSpPr>
-      <p:grpSpPr>
-        <a:xfrm>
-          <a:off x="0" y="0"/>
-          <a:ext cx="0" cy="0"/>
-          <a:chOff x="0" y="0"/>
-          <a:chExt cx="0" cy="0"/>
-        </a:xfrm>
-      </p:grpSpPr>
-      <p:sp>
-        <p:nvSpPr>
-          <p:cNvPr id="2" name="Título 1">
-            <a:extLst>
-              <a:ext uri="{FF2B5EF4-FFF2-40B4-BE49-F238E27FC236}">
-                <a16:creationId xmlns:a16="http://schemas.microsoft.com/office/drawing/2014/main" id="{8ADE097F-4825-4D14-B7FB-8434EC3B2C49}"/>
-              </a:ext>
-            </a:extLst>
-          </p:cNvPr>
-          <p:cNvSpPr>
-            <a:spLocks noGrp="1"/>
-          </p:cNvSpPr>
-          <p:nvPr>
-            <p:ph type="title"/>
-          </p:nvPr>
-        </p:nvSpPr>
-        <p:spPr/>
-        <p:txBody>
-          <a:bodyPr/>
-          <a:lstStyle/>
-          <a:p>
-            <a:r>
               <a:rPr lang="en-US" dirty="0">
                 <a:solidFill>
                   <a:schemeClr val="accent3">
@@ -29185,6 +28889,302 @@
     <p:extLst>
       <p:ext uri="{BB962C8B-B14F-4D97-AF65-F5344CB8AC3E}">
         <p14:creationId xmlns:p14="http://schemas.microsoft.com/office/powerpoint/2010/main" val="2968881863"/>
+      </p:ext>
+    </p:extLst>
+  </p:cSld>
+  <p:clrMapOvr>
+    <a:masterClrMapping/>
+  </p:clrMapOvr>
+  <p:transition>
+    <p:fade/>
+  </p:transition>
+</p:sld>
+</file>
+
+<file path=ppt/slides/slide12.xml><?xml version="1.0" encoding="utf-8"?>
+<p:sld xmlns:a="http://schemas.openxmlformats.org/drawingml/2006/main" xmlns:r="http://schemas.openxmlformats.org/officeDocument/2006/relationships" xmlns:p="http://schemas.openxmlformats.org/presentationml/2006/main">
+  <p:cSld>
+    <p:spTree>
+      <p:nvGrpSpPr>
+        <p:cNvPr id="1" name=""/>
+        <p:cNvGrpSpPr/>
+        <p:nvPr/>
+      </p:nvGrpSpPr>
+      <p:grpSpPr>
+        <a:xfrm>
+          <a:off x="0" y="0"/>
+          <a:ext cx="0" cy="0"/>
+          <a:chOff x="0" y="0"/>
+          <a:chExt cx="0" cy="0"/>
+        </a:xfrm>
+      </p:grpSpPr>
+      <p:sp>
+        <p:nvSpPr>
+          <p:cNvPr id="2" name="Título 1">
+            <a:extLst>
+              <a:ext uri="{FF2B5EF4-FFF2-40B4-BE49-F238E27FC236}">
+                <a16:creationId xmlns:a16="http://schemas.microsoft.com/office/drawing/2014/main" id="{8ADE097F-4825-4D14-B7FB-8434EC3B2C49}"/>
+              </a:ext>
+            </a:extLst>
+          </p:cNvPr>
+          <p:cNvSpPr>
+            <a:spLocks noGrp="1"/>
+          </p:cNvSpPr>
+          <p:nvPr>
+            <p:ph type="title"/>
+          </p:nvPr>
+        </p:nvSpPr>
+        <p:spPr/>
+        <p:txBody>
+          <a:bodyPr/>
+          <a:lstStyle/>
+          <a:p>
+            <a:r>
+              <a:rPr lang="pt-BR" sz="4000" dirty="0">
+                <a:solidFill>
+                  <a:schemeClr val="accent3">
+                    <a:lumMod val="75000"/>
+                  </a:schemeClr>
+                </a:solidFill>
+              </a:rPr>
+              <a:t>k9s: monitoramento tempo real na linha de comando</a:t>
+            </a:r>
+          </a:p>
+        </p:txBody>
+      </p:sp>
+      <p:sp>
+        <p:nvSpPr>
+          <p:cNvPr id="3" name="Espaço Reservado para Texto 2">
+            <a:extLst>
+              <a:ext uri="{FF2B5EF4-FFF2-40B4-BE49-F238E27FC236}">
+                <a16:creationId xmlns:a16="http://schemas.microsoft.com/office/drawing/2014/main" id="{10F01629-F01C-4AE7-B7DB-6087E6CFCFAC}"/>
+              </a:ext>
+            </a:extLst>
+          </p:cNvPr>
+          <p:cNvSpPr>
+            <a:spLocks noGrp="1"/>
+          </p:cNvSpPr>
+          <p:nvPr>
+            <p:ph type="body" sz="quarter" idx="10"/>
+          </p:nvPr>
+        </p:nvSpPr>
+        <p:spPr>
+          <a:xfrm>
+            <a:off x="274639" y="1744662"/>
+            <a:ext cx="7008034" cy="5650778"/>
+          </a:xfrm>
+        </p:spPr>
+        <p:txBody>
+          <a:bodyPr/>
+          <a:lstStyle/>
+          <a:p>
+            <a:pPr marL="571500" indent="-571500">
+              <a:buFont typeface="Arial" panose="020B0604020202020204" pitchFamily="34" charset="0"/>
+              <a:buChar char="•"/>
+            </a:pPr>
+            <a:r>
+              <a:rPr lang="pt-BR" sz="3200" dirty="0">
+                <a:solidFill>
+                  <a:srgbClr val="494949"/>
+                </a:solidFill>
+              </a:rPr>
+              <a:t>Multiplataforma (</a:t>
+            </a:r>
+            <a:r>
+              <a:rPr lang="pt-BR" sz="3200" b="1" dirty="0">
+                <a:solidFill>
+                  <a:srgbClr val="494949"/>
+                </a:solidFill>
+              </a:rPr>
+              <a:t>Windows, Linux, </a:t>
+            </a:r>
+            <a:r>
+              <a:rPr lang="pt-BR" sz="3200" b="1" dirty="0" err="1">
+                <a:solidFill>
+                  <a:srgbClr val="494949"/>
+                </a:solidFill>
+              </a:rPr>
+              <a:t>macOS</a:t>
+            </a:r>
+            <a:r>
+              <a:rPr lang="pt-BR" sz="3200" dirty="0">
+                <a:solidFill>
+                  <a:srgbClr val="494949"/>
+                </a:solidFill>
+              </a:rPr>
+              <a:t>)</a:t>
+            </a:r>
+          </a:p>
+          <a:p>
+            <a:pPr marL="571500" indent="-571500">
+              <a:buFont typeface="Arial" panose="020B0604020202020204" pitchFamily="34" charset="0"/>
+              <a:buChar char="•"/>
+            </a:pPr>
+            <a:endParaRPr lang="pt-BR" sz="3200" dirty="0">
+              <a:solidFill>
+                <a:srgbClr val="494949"/>
+              </a:solidFill>
+            </a:endParaRPr>
+          </a:p>
+          <a:p>
+            <a:pPr marL="571500" indent="-571500">
+              <a:buFont typeface="Arial" panose="020B0604020202020204" pitchFamily="34" charset="0"/>
+              <a:buChar char="•"/>
+            </a:pPr>
+            <a:r>
+              <a:rPr lang="pt-BR" sz="3200" dirty="0">
+                <a:solidFill>
+                  <a:srgbClr val="494949"/>
+                </a:solidFill>
+              </a:rPr>
+              <a:t>Visualização em </a:t>
+            </a:r>
+            <a:r>
+              <a:rPr lang="pt-BR" sz="3200" b="1" dirty="0">
+                <a:solidFill>
+                  <a:srgbClr val="494949"/>
+                </a:solidFill>
+              </a:rPr>
+              <a:t>tempo real</a:t>
+            </a:r>
+            <a:r>
+              <a:rPr lang="pt-BR" sz="3200" dirty="0">
+                <a:solidFill>
+                  <a:srgbClr val="494949"/>
+                </a:solidFill>
+              </a:rPr>
+              <a:t> de elementos de um cluster (</a:t>
+            </a:r>
+            <a:r>
+              <a:rPr lang="pt-BR" sz="3200" b="1" dirty="0" err="1">
+                <a:solidFill>
+                  <a:srgbClr val="494949"/>
+                </a:solidFill>
+              </a:rPr>
+              <a:t>Deployments</a:t>
+            </a:r>
+            <a:r>
+              <a:rPr lang="pt-BR" sz="3200" b="1" dirty="0">
+                <a:solidFill>
+                  <a:srgbClr val="494949"/>
+                </a:solidFill>
+              </a:rPr>
+              <a:t>, </a:t>
+            </a:r>
+            <a:r>
+              <a:rPr lang="pt-BR" sz="3200" b="1" dirty="0" err="1">
+                <a:solidFill>
+                  <a:srgbClr val="494949"/>
+                </a:solidFill>
+              </a:rPr>
+              <a:t>Pods</a:t>
+            </a:r>
+            <a:r>
+              <a:rPr lang="pt-BR" sz="3200" b="1" dirty="0">
+                <a:solidFill>
+                  <a:srgbClr val="494949"/>
+                </a:solidFill>
+              </a:rPr>
+              <a:t>, Nodes, logs gerados...)</a:t>
+            </a:r>
+          </a:p>
+          <a:p>
+            <a:pPr marL="571500" indent="-571500">
+              <a:buFont typeface="Arial" panose="020B0604020202020204" pitchFamily="34" charset="0"/>
+              <a:buChar char="•"/>
+            </a:pPr>
+            <a:endParaRPr lang="pt-BR" sz="3200" b="1" dirty="0">
+              <a:solidFill>
+                <a:srgbClr val="494949"/>
+              </a:solidFill>
+            </a:endParaRPr>
+          </a:p>
+          <a:p>
+            <a:pPr marL="571500" indent="-571500">
+              <a:buFont typeface="Arial" panose="020B0604020202020204" pitchFamily="34" charset="0"/>
+              <a:buChar char="•"/>
+            </a:pPr>
+            <a:r>
+              <a:rPr lang="pt-BR" sz="3200" b="1" dirty="0">
+                <a:solidFill>
+                  <a:srgbClr val="494949"/>
+                </a:solidFill>
+              </a:rPr>
+              <a:t>Site: </a:t>
+            </a:r>
+            <a:r>
+              <a:rPr lang="pt-BR" sz="3200" dirty="0">
+                <a:solidFill>
+                  <a:srgbClr val="494949"/>
+                </a:solidFill>
+                <a:hlinkClick r:id="rId3"/>
+              </a:rPr>
+              <a:t>https://k9scli.io/</a:t>
+            </a:r>
+            <a:endParaRPr lang="pt-BR" sz="3200" dirty="0">
+              <a:solidFill>
+                <a:srgbClr val="494949"/>
+              </a:solidFill>
+            </a:endParaRPr>
+          </a:p>
+          <a:p>
+            <a:pPr marL="571500" indent="-571500">
+              <a:buFont typeface="Arial" panose="020B0604020202020204" pitchFamily="34" charset="0"/>
+              <a:buChar char="•"/>
+            </a:pPr>
+            <a:endParaRPr lang="pt-BR" sz="3200" dirty="0">
+              <a:solidFill>
+                <a:srgbClr val="494949"/>
+              </a:solidFill>
+            </a:endParaRPr>
+          </a:p>
+          <a:p>
+            <a:pPr marL="571500" indent="-571500">
+              <a:buFont typeface="Arial" panose="020B0604020202020204" pitchFamily="34" charset="0"/>
+              <a:buChar char="•"/>
+            </a:pPr>
+            <a:endParaRPr lang="pt-BR" sz="3200" dirty="0">
+              <a:solidFill>
+                <a:srgbClr val="494949"/>
+              </a:solidFill>
+            </a:endParaRPr>
+          </a:p>
+        </p:txBody>
+      </p:sp>
+      <p:pic>
+        <p:nvPicPr>
+          <p:cNvPr id="6" name="Imagem 5" descr="Ícone&#10;&#10;Descrição gerada automaticamente">
+            <a:extLst>
+              <a:ext uri="{FF2B5EF4-FFF2-40B4-BE49-F238E27FC236}">
+                <a16:creationId xmlns:a16="http://schemas.microsoft.com/office/drawing/2014/main" id="{6346F89B-FF07-92FE-8EB4-8144A3BC0AE1}"/>
+              </a:ext>
+            </a:extLst>
+          </p:cNvPr>
+          <p:cNvPicPr>
+            <a:picLocks noChangeAspect="1"/>
+          </p:cNvPicPr>
+          <p:nvPr/>
+        </p:nvPicPr>
+        <p:blipFill>
+          <a:blip r:embed="rId4"/>
+          <a:stretch>
+            <a:fillRect/>
+          </a:stretch>
+        </p:blipFill>
+        <p:spPr>
+          <a:xfrm>
+            <a:off x="7437437" y="2392361"/>
+            <a:ext cx="4419604" cy="2209802"/>
+          </a:xfrm>
+          <a:prstGeom prst="rect">
+            <a:avLst/>
+          </a:prstGeom>
+        </p:spPr>
+      </p:pic>
+    </p:spTree>
+    <p:extLst>
+      <p:ext uri="{BB962C8B-B14F-4D97-AF65-F5344CB8AC3E}">
+        <p14:creationId xmlns:p14="http://schemas.microsoft.com/office/powerpoint/2010/main" val="2168114670"/>
       </p:ext>
     </p:extLst>
   </p:cSld>
@@ -29629,15 +29629,60 @@
                   <a:srgbClr val="494949"/>
                 </a:solidFill>
               </a:rPr>
-              <a:t>Extensão do </a:t>
-            </a:r>
-            <a:r>
-              <a:rPr lang="pt-BR" sz="3000" b="1" dirty="0">
+              <a:t>Ferramentas multiplataforma de linha de comando </a:t>
+            </a:r>
+            <a:r>
+              <a:rPr lang="pt-BR" sz="2800" dirty="0">
                 <a:solidFill>
                   <a:srgbClr val="494949"/>
                 </a:solidFill>
               </a:rPr>
-              <a:t>Visual Studio </a:t>
+              <a:t>(</a:t>
+            </a:r>
+            <a:r>
+              <a:rPr lang="pt-BR" sz="2800" b="1" dirty="0">
+                <a:solidFill>
+                  <a:srgbClr val="494949"/>
+                </a:solidFill>
+              </a:rPr>
+              <a:t>Windows, Linux, </a:t>
+            </a:r>
+            <a:r>
+              <a:rPr lang="pt-BR" sz="2800" b="1" dirty="0" err="1">
+                <a:solidFill>
+                  <a:srgbClr val="494949"/>
+                </a:solidFill>
+              </a:rPr>
+              <a:t>macOS</a:t>
+            </a:r>
+            <a:r>
+              <a:rPr lang="pt-BR" sz="2800" dirty="0">
+                <a:solidFill>
+                  <a:srgbClr val="494949"/>
+                </a:solidFill>
+              </a:rPr>
+              <a:t>)</a:t>
+            </a:r>
+          </a:p>
+          <a:p>
+            <a:endParaRPr lang="pt-BR" sz="3000" dirty="0">
+              <a:solidFill>
+                <a:srgbClr val="494949"/>
+              </a:solidFill>
+            </a:endParaRPr>
+          </a:p>
+          <a:p>
+            <a:pPr marL="571500" indent="-571500">
+              <a:buFont typeface="Arial" panose="020B0604020202020204" pitchFamily="34" charset="0"/>
+              <a:buChar char="•"/>
+            </a:pPr>
+            <a:r>
+              <a:rPr lang="pt-BR" sz="3000" dirty="0">
+                <a:solidFill>
+                  <a:srgbClr val="494949"/>
+                </a:solidFill>
+              </a:rPr>
+              <a:t>Permitem alternar rapidamente de um cluster para outro (</a:t>
             </a:r>
             <a:r>
               <a:rPr lang="pt-BR" sz="3000" b="1" dirty="0" err="1">
@@ -29645,15 +29690,7 @@
                   <a:srgbClr val="494949"/>
                 </a:solidFill>
               </a:rPr>
-              <a:t>Code</a:t>
-            </a:r>
-            <a:r>
-              <a:rPr lang="pt-BR" sz="3000" b="1" dirty="0">
-                <a:solidFill>
-                  <a:srgbClr val="494949"/>
-                </a:solidFill>
-              </a:rPr>
-              <a:t> </a:t>
+              <a:t>kubectx</a:t>
             </a:r>
             <a:r>
               <a:rPr lang="pt-BR" sz="3000" dirty="0">
@@ -29661,15 +29698,15 @@
                   <a:srgbClr val="494949"/>
                 </a:solidFill>
               </a:rPr>
-              <a:t>para a criação de </a:t>
-            </a:r>
-            <a:r>
-              <a:rPr lang="pt-BR" sz="3000" b="1" dirty="0">
+              <a:t>) e de um </a:t>
+            </a:r>
+            <a:r>
+              <a:rPr lang="pt-BR" sz="3000" dirty="0" err="1">
                 <a:solidFill>
                   <a:srgbClr val="494949"/>
                 </a:solidFill>
               </a:rPr>
-              <a:t>arquivos YAML </a:t>
+              <a:t>namespace</a:t>
             </a:r>
             <a:r>
               <a:rPr lang="pt-BR" sz="3000" dirty="0">
@@ -29677,7 +29714,7 @@
                   <a:srgbClr val="494949"/>
                 </a:solidFill>
               </a:rPr>
-              <a:t>com objetos do </a:t>
+              <a:t> para outro (</a:t>
             </a:r>
             <a:r>
               <a:rPr lang="pt-BR" sz="3000" b="1" dirty="0" err="1">
@@ -29685,37 +29722,7 @@
                   <a:srgbClr val="494949"/>
                 </a:solidFill>
               </a:rPr>
-              <a:t>Kubernetes</a:t>
-            </a:r>
-            <a:endParaRPr lang="pt-BR" sz="3000" b="1" dirty="0">
-              <a:solidFill>
-                <a:srgbClr val="494949"/>
-              </a:solidFill>
-            </a:endParaRPr>
-          </a:p>
-          <a:p>
-            <a:pPr marL="571500" indent="-571500">
-              <a:buFont typeface="Arial" panose="020B0604020202020204" pitchFamily="34" charset="0"/>
-              <a:buChar char="•"/>
-            </a:pPr>
-            <a:endParaRPr lang="pt-BR" sz="3000" dirty="0">
-              <a:solidFill>
-                <a:srgbClr val="494949"/>
-              </a:solidFill>
-            </a:endParaRPr>
-          </a:p>
-          <a:p>
-            <a:pPr marL="571500" indent="-571500">
-              <a:buFont typeface="Arial" panose="020B0604020202020204" pitchFamily="34" charset="0"/>
-              <a:buChar char="•"/>
-            </a:pPr>
-            <a:r>
-              <a:rPr lang="pt-BR" sz="3000" dirty="0" err="1">
-                <a:solidFill>
-                  <a:srgbClr val="494949"/>
-                </a:solidFill>
-              </a:rPr>
-              <a:t>Templates</a:t>
+              <a:t>kubens</a:t>
             </a:r>
             <a:r>
               <a:rPr lang="pt-BR" sz="3000" dirty="0">
@@ -29723,39 +29730,7 @@
                   <a:srgbClr val="494949"/>
                 </a:solidFill>
               </a:rPr>
-              <a:t> para a criação de </a:t>
-            </a:r>
-            <a:r>
-              <a:rPr lang="pt-BR" sz="3000" b="1" dirty="0" err="1">
-                <a:solidFill>
-                  <a:srgbClr val="494949"/>
-                </a:solidFill>
-              </a:rPr>
-              <a:t>Deployments</a:t>
-            </a:r>
-            <a:r>
-              <a:rPr lang="pt-BR" sz="3000" b="1" dirty="0">
-                <a:solidFill>
-                  <a:srgbClr val="494949"/>
-                </a:solidFill>
-              </a:rPr>
-              <a:t>, Services, </a:t>
-            </a:r>
-            <a:r>
-              <a:rPr lang="pt-BR" sz="3000" b="1" dirty="0" err="1">
-                <a:solidFill>
-                  <a:srgbClr val="494949"/>
-                </a:solidFill>
-              </a:rPr>
-              <a:t>CronJobs</a:t>
-            </a:r>
-            <a:r>
-              <a:rPr lang="pt-BR" sz="3000" dirty="0">
-                <a:solidFill>
-                  <a:srgbClr val="494949"/>
-                </a:solidFill>
-              </a:rPr>
-              <a:t>...</a:t>
+              <a:t>)</a:t>
             </a:r>
           </a:p>
           <a:p>
@@ -35660,15 +35635,6 @@
 </file>
 
 <file path=customXml/item1.xml><?xml version="1.0" encoding="utf-8"?>
-<?mso-contentType ?>
-<FormTemplates xmlns="http://schemas.microsoft.com/sharepoint/v3/contenttype/forms">
-  <Display>DocumentLibraryForm</Display>
-  <Edit>DocumentLibraryForm</Edit>
-  <New>DocumentLibraryForm</New>
-</FormTemplates>
-</file>
-
-<file path=customXml/item2.xml><?xml version="1.0" encoding="utf-8"?>
 <ct:contentTypeSchema xmlns:ct="http://schemas.microsoft.com/office/2006/metadata/contentType" xmlns:ma="http://schemas.microsoft.com/office/2006/metadata/properties/metaAttributes" ct:_="" ma:_="" ma:contentTypeName="PresentationsDoc" ma:contentTypeID="0x01010031DCF4CA090F824DB1E4CCBB6B9D64EA00101E8AAD132F8F4D96340D6376C8BB3E" ma:contentTypeVersion="22" ma:contentTypeDescription="" ma:contentTypeScope="" ma:versionID="8add498658ef06bbcf3bc1f2c97d938c">
   <xsd:schema xmlns:xsd="http://www.w3.org/2001/XMLSchema" xmlns:xs="http://www.w3.org/2001/XMLSchema" xmlns:p="http://schemas.microsoft.com/office/2006/metadata/properties" xmlns:ns1="http://schemas.microsoft.com/sharepoint/v3" xmlns:ns2="01c77077-aee4-4b5f-bd4e-9cd40a6fff29" xmlns:ns3="230e9df3-be65-4c73-a93b-d1236ebd677e" xmlns:ns5="8ff673fc-3231-4e3a-893b-6d7f7cd32766" targetNamespace="http://schemas.microsoft.com/office/2006/metadata/properties" ma:root="true" ma:fieldsID="a14070d067e341e7ddc7e27ecc4a2d88" ns1:_="" ns2:_="" ns3:_="" ns5:_="">
     <xsd:import namespace="http://schemas.microsoft.com/sharepoint/v3"/>
@@ -36025,7 +35991,7 @@
 </ct:contentTypeSchema>
 </file>
 
-<file path=customXml/item3.xml><?xml version="1.0" encoding="utf-8"?>
+<file path=customXml/item2.xml><?xml version="1.0" encoding="utf-8"?>
 <p:properties xmlns:p="http://schemas.microsoft.com/office/2006/metadata/properties" xmlns:xsi="http://www.w3.org/2001/XMLSchema-instance" xmlns:pc="http://schemas.microsoft.com/office/infopath/2007/PartnerControls">
   <documentManagement>
     <LikesCount xmlns="http://schemas.microsoft.com/sharepoint/v3" xsi:nil="true"/>
@@ -36104,15 +36070,16 @@
 </p:properties>
 </file>
 
-<file path=customXml/itemProps1.xml><?xml version="1.0" encoding="utf-8"?>
-<ds:datastoreItem xmlns:ds="http://schemas.openxmlformats.org/officeDocument/2006/customXml" ds:itemID="{758FDAC0-319D-4A54-8D8E-1D42CB1F8004}">
-  <ds:schemaRefs>
-    <ds:schemaRef ds:uri="http://schemas.microsoft.com/sharepoint/v3/contenttype/forms"/>
-  </ds:schemaRefs>
-</ds:datastoreItem>
+<file path=customXml/item3.xml><?xml version="1.0" encoding="utf-8"?>
+<?mso-contentType ?>
+<FormTemplates xmlns="http://schemas.microsoft.com/sharepoint/v3/contenttype/forms">
+  <Display>DocumentLibraryForm</Display>
+  <Edit>DocumentLibraryForm</Edit>
+  <New>DocumentLibraryForm</New>
+</FormTemplates>
 </file>
 
-<file path=customXml/itemProps2.xml><?xml version="1.0" encoding="utf-8"?>
+<file path=customXml/itemProps1.xml><?xml version="1.0" encoding="utf-8"?>
 <ds:datastoreItem xmlns:ds="http://schemas.openxmlformats.org/officeDocument/2006/customXml" ds:itemID="{6D8F288A-5131-4E80-AB86-F10FC037383B}">
   <ds:schemaRefs>
     <ds:schemaRef ds:uri="http://schemas.microsoft.com/office/2006/metadata/contentType"/>
@@ -36133,7 +36100,7 @@
 </ds:datastoreItem>
 </file>
 
-<file path=customXml/itemProps3.xml><?xml version="1.0" encoding="utf-8"?>
+<file path=customXml/itemProps2.xml><?xml version="1.0" encoding="utf-8"?>
 <ds:datastoreItem xmlns:ds="http://schemas.openxmlformats.org/officeDocument/2006/customXml" ds:itemID="{F990F116-B58F-4255-B05B-DA3808E0E5C6}">
   <ds:schemaRefs>
     <ds:schemaRef ds:uri="http://purl.org/dc/elements/1.1/"/>
@@ -36150,4 +36117,12 @@
     <ds:schemaRef ds:uri="http://www.w3.org/XML/1998/namespace"/>
   </ds:schemaRefs>
 </ds:datastoreItem>
+</file>
+
+<file path=customXml/itemProps3.xml><?xml version="1.0" encoding="utf-8"?>
+<ds:datastoreItem xmlns:ds="http://schemas.openxmlformats.org/officeDocument/2006/customXml" ds:itemID="{758FDAC0-319D-4A54-8D8E-1D42CB1F8004}">
+  <ds:schemaRefs>
+    <ds:schemaRef ds:uri="http://schemas.microsoft.com/sharepoint/v3/contenttype/forms"/>
+  </ds:schemaRefs>
+</ds:datastoreItem>
 </file>